--- a/Final Designs/SRSF Layout.pptx
+++ b/Final Designs/SRSF Layout.pptx
@@ -3968,7 +3968,6 @@
               <a:rPr lang="en-US" smtClean="0"/>
               <a:t>Click to edit Master title style</a:t>
             </a:r>
-            <a:endParaRPr lang="en-US" smtClean="0"/>
           </a:p>
         </p:txBody>
       </p:sp>
@@ -4040,7 +4039,6 @@
               <a:rPr lang="en-US" smtClean="0"/>
               <a:t>Fifth level</a:t>
             </a:r>
-            <a:endParaRPr lang="en-US" smtClean="0"/>
           </a:p>
         </p:txBody>
       </p:sp>
@@ -14810,8 +14808,8 @@
         </p:nvSpPr>
         <p:spPr bwMode="auto">
           <a:xfrm>
-            <a:off x="5255046" y="4825388"/>
-            <a:ext cx="2115237" cy="297455"/>
+            <a:off x="4953740" y="4825388"/>
+            <a:ext cx="2416543" cy="297455"/>
           </a:xfrm>
           <a:prstGeom prst="rect">
             <a:avLst/>
@@ -16765,8 +16763,8 @@
         </p:nvSpPr>
         <p:spPr bwMode="auto">
           <a:xfrm>
-            <a:off x="4618652" y="4828350"/>
-            <a:ext cx="182689" cy="178843"/>
+            <a:off x="4627530" y="4881617"/>
+            <a:ext cx="139779" cy="116512"/>
           </a:xfrm>
           <a:prstGeom prst="ellipse">
             <a:avLst/>
@@ -16832,8 +16830,8 @@
         </p:nvCxnSpPr>
         <p:spPr bwMode="auto">
           <a:xfrm rot="5400000">
-            <a:off x="4445583" y="4519662"/>
-            <a:ext cx="573102" cy="44274"/>
+            <a:off x="4412662" y="4540007"/>
+            <a:ext cx="626369" cy="56851"/>
           </a:xfrm>
           <a:prstGeom prst="straightConnector1">
             <a:avLst/>
@@ -16853,24 +16851,86 @@
       </p:cxnSp>
       <p:sp>
         <p:nvSpPr>
-          <p:cNvPr id="108" name="Trapezoid 107"/>
+          <p:cNvPr id="68" name="Rectangle 67"/>
           <p:cNvSpPr/>
           <p:nvPr/>
         </p:nvSpPr>
         <p:spPr bwMode="auto">
-          <a:xfrm rot="5400000">
-            <a:off x="4560980" y="4836405"/>
-            <a:ext cx="1079655" cy="286441"/>
-          </a:xfrm>
-          <a:prstGeom prst="trapezoid">
-            <a:avLst>
-              <a:gd name="adj" fmla="val 141154"/>
-            </a:avLst>
+          <a:xfrm>
+            <a:off x="4955220" y="4403323"/>
+            <a:ext cx="318116" cy="1100831"/>
+          </a:xfrm>
+          <a:prstGeom prst="rect">
+            <a:avLst/>
           </a:prstGeom>
           <a:noFill/>
           <a:ln w="12700" cap="flat" cmpd="sng" algn="ctr">
             <a:solidFill>
-              <a:srgbClr val="FF0000"/>
+              <a:schemeClr val="accent1"/>
+            </a:solidFill>
+            <a:prstDash val="solid"/>
+            <a:round/>
+            <a:headEnd type="none" w="lg" len="med"/>
+            <a:tailEnd type="none" w="lg" len="med"/>
+          </a:ln>
+          <a:effectLst/>
+        </p:spPr>
+        <p:txBody>
+          <a:bodyPr vert="horz" wrap="square" lIns="91440" tIns="45720" rIns="91440" bIns="45720" numCol="1" rtlCol="0" anchor="t" anchorCtr="0" compatLnSpc="1">
+            <a:prstTxWarp prst="textNoShape">
+              <a:avLst/>
+            </a:prstTxWarp>
+            <a:noAutofit/>
+          </a:bodyPr>
+          <a:lstStyle/>
+          <a:p>
+            <a:pPr marL="0" marR="0" indent="0" algn="l" defTabSz="914400" rtl="0" eaLnBrk="0" fontAlgn="base" latinLnBrk="0" hangingPunct="0">
+              <a:lnSpc>
+                <a:spcPct val="100000"/>
+              </a:lnSpc>
+              <a:spcBef>
+                <a:spcPct val="50000"/>
+              </a:spcBef>
+              <a:spcAft>
+                <a:spcPct val="0"/>
+              </a:spcAft>
+              <a:buClrTx/>
+              <a:buSzTx/>
+              <a:buFontTx/>
+              <a:buNone/>
+              <a:tabLst/>
+            </a:pPr>
+            <a:endParaRPr kumimoji="0" lang="en-US" sz="2800" b="0" i="0" u="none" strike="noStrike" cap="none" normalizeH="0" baseline="0" smtClean="0">
+              <a:ln>
+                <a:noFill/>
+              </a:ln>
+              <a:solidFill>
+                <a:schemeClr val="tx1"/>
+              </a:solidFill>
+              <a:effectLst/>
+              <a:latin typeface="Times New Roman" pitchFamily="18" charset="0"/>
+            </a:endParaRPr>
+          </a:p>
+        </p:txBody>
+      </p:sp>
+      <p:sp>
+        <p:nvSpPr>
+          <p:cNvPr id="75" name="Oval 74"/>
+          <p:cNvSpPr/>
+          <p:nvPr/>
+        </p:nvSpPr>
+        <p:spPr bwMode="auto">
+          <a:xfrm flipV="1">
+            <a:off x="4985557" y="4834434"/>
+            <a:ext cx="265296" cy="259711"/>
+          </a:xfrm>
+          <a:prstGeom prst="ellipse">
+            <a:avLst/>
+          </a:prstGeom>
+          <a:noFill/>
+          <a:ln w="12700" cap="flat" cmpd="sng" algn="ctr">
+            <a:solidFill>
+              <a:srgbClr val="92D050"/>
             </a:solidFill>
             <a:prstDash val="solid"/>
             <a:round/>

--- a/Final Designs/SRSF Layout.pptx
+++ b/Final Designs/SRSF Layout.pptx
@@ -5,10 +5,10 @@
     <p:sldMasterId id="2147483737" r:id="rId1"/>
   </p:sldMasterIdLst>
   <p:notesMasterIdLst>
-    <p:notesMasterId r:id="rId7"/>
+    <p:notesMasterId r:id="rId8"/>
   </p:notesMasterIdLst>
   <p:handoutMasterIdLst>
-    <p:handoutMasterId r:id="rId8"/>
+    <p:handoutMasterId r:id="rId9"/>
   </p:handoutMasterIdLst>
   <p:sldIdLst>
     <p:sldId id="256" r:id="rId2"/>
@@ -16,6 +16,7 @@
     <p:sldId id="258" r:id="rId4"/>
     <p:sldId id="259" r:id="rId5"/>
     <p:sldId id="260" r:id="rId6"/>
+    <p:sldId id="261" r:id="rId7"/>
   </p:sldIdLst>
   <p:sldSz cx="9144000" cy="6858000" type="screen4x3"/>
   <p:notesSz cx="6858000" cy="9296400"/>
@@ -15493,7 +15494,7 @@
         </p:nvSpPr>
         <p:spPr bwMode="auto">
           <a:xfrm>
-            <a:off x="6671990" y="4836776"/>
+            <a:off x="6556580" y="4872287"/>
             <a:ext cx="182689" cy="178843"/>
           </a:xfrm>
           <a:prstGeom prst="ellipse">
@@ -16519,8 +16520,8 @@
         </p:nvCxnSpPr>
         <p:spPr bwMode="auto">
           <a:xfrm rot="10800000" flipV="1">
-            <a:off x="6854679" y="4848270"/>
-            <a:ext cx="1093284" cy="77928"/>
+            <a:off x="6739269" y="4848269"/>
+            <a:ext cx="1208694" cy="113439"/>
           </a:xfrm>
           <a:prstGeom prst="straightConnector1">
             <a:avLst/>
@@ -16612,7 +16613,7 @@
         </p:nvCxnSpPr>
         <p:spPr bwMode="auto">
           <a:xfrm rot="10800000" flipV="1">
-            <a:off x="6301648" y="3327094"/>
+            <a:off x="6292771" y="3353727"/>
             <a:ext cx="1696598" cy="1624070"/>
           </a:xfrm>
           <a:prstGeom prst="straightConnector1">
@@ -16639,7 +16640,7 @@
         </p:nvSpPr>
         <p:spPr bwMode="auto">
           <a:xfrm>
-            <a:off x="5998240" y="4845585"/>
+            <a:off x="5989363" y="4872218"/>
             <a:ext cx="303408" cy="211157"/>
           </a:xfrm>
           <a:prstGeom prst="rect">
@@ -16974,6 +16975,4130 @@
               <a:effectLst/>
               <a:latin typeface="Times New Roman" pitchFamily="18" charset="0"/>
             </a:endParaRPr>
+          </a:p>
+        </p:txBody>
+      </p:sp>
+      <p:sp>
+        <p:nvSpPr>
+          <p:cNvPr id="73" name="TextBox 72"/>
+          <p:cNvSpPr txBox="1"/>
+          <p:nvPr/>
+        </p:nvSpPr>
+        <p:spPr>
+          <a:xfrm>
+            <a:off x="6338656" y="4030462"/>
+            <a:ext cx="230820" cy="261610"/>
+          </a:xfrm>
+          <a:prstGeom prst="rect">
+            <a:avLst/>
+          </a:prstGeom>
+          <a:noFill/>
+        </p:spPr>
+        <p:txBody>
+          <a:bodyPr wrap="square" rtlCol="0">
+            <a:spAutoFit/>
+          </a:bodyPr>
+          <a:lstStyle/>
+          <a:p>
+            <a:r>
+              <a:rPr lang="en-US" sz="1100" dirty="0" smtClean="0"/>
+              <a:t>3</a:t>
+            </a:r>
+            <a:endParaRPr lang="en-US" sz="1100" dirty="0"/>
+          </a:p>
+        </p:txBody>
+      </p:sp>
+      <p:sp>
+        <p:nvSpPr>
+          <p:cNvPr id="74" name="TextBox 73"/>
+          <p:cNvSpPr txBox="1"/>
+          <p:nvPr/>
+        </p:nvSpPr>
+        <p:spPr>
+          <a:xfrm>
+            <a:off x="6322380" y="3721224"/>
+            <a:ext cx="230820" cy="261610"/>
+          </a:xfrm>
+          <a:prstGeom prst="rect">
+            <a:avLst/>
+          </a:prstGeom>
+          <a:noFill/>
+        </p:spPr>
+        <p:txBody>
+          <a:bodyPr wrap="square" rtlCol="0">
+            <a:spAutoFit/>
+          </a:bodyPr>
+          <a:lstStyle/>
+          <a:p>
+            <a:r>
+              <a:rPr lang="en-US" sz="1100" dirty="0" smtClean="0"/>
+              <a:t>1</a:t>
+            </a:r>
+            <a:endParaRPr lang="en-US" sz="1100" dirty="0"/>
+          </a:p>
+        </p:txBody>
+      </p:sp>
+      <p:sp>
+        <p:nvSpPr>
+          <p:cNvPr id="76" name="TextBox 75"/>
+          <p:cNvSpPr txBox="1"/>
+          <p:nvPr/>
+        </p:nvSpPr>
+        <p:spPr>
+          <a:xfrm>
+            <a:off x="6678967" y="3704949"/>
+            <a:ext cx="230820" cy="261610"/>
+          </a:xfrm>
+          <a:prstGeom prst="rect">
+            <a:avLst/>
+          </a:prstGeom>
+          <a:noFill/>
+        </p:spPr>
+        <p:txBody>
+          <a:bodyPr wrap="square" rtlCol="0">
+            <a:spAutoFit/>
+          </a:bodyPr>
+          <a:lstStyle/>
+          <a:p>
+            <a:r>
+              <a:rPr lang="en-US" sz="1100" dirty="0" smtClean="0"/>
+              <a:t>0</a:t>
+            </a:r>
+            <a:endParaRPr lang="en-US" sz="1100" dirty="0"/>
+          </a:p>
+        </p:txBody>
+      </p:sp>
+      <p:sp>
+        <p:nvSpPr>
+          <p:cNvPr id="77" name="TextBox 76"/>
+          <p:cNvSpPr txBox="1"/>
+          <p:nvPr/>
+        </p:nvSpPr>
+        <p:spPr>
+          <a:xfrm>
+            <a:off x="6653811" y="4008268"/>
+            <a:ext cx="230820" cy="261610"/>
+          </a:xfrm>
+          <a:prstGeom prst="rect">
+            <a:avLst/>
+          </a:prstGeom>
+          <a:noFill/>
+        </p:spPr>
+        <p:txBody>
+          <a:bodyPr wrap="square" rtlCol="0">
+            <a:spAutoFit/>
+          </a:bodyPr>
+          <a:lstStyle/>
+          <a:p>
+            <a:r>
+              <a:rPr lang="en-US" sz="1100" dirty="0" smtClean="0"/>
+              <a:t>2</a:t>
+            </a:r>
+            <a:endParaRPr lang="en-US" sz="1100" dirty="0"/>
+          </a:p>
+        </p:txBody>
+      </p:sp>
+      <p:sp>
+        <p:nvSpPr>
+          <p:cNvPr id="79" name="TextBox 78"/>
+          <p:cNvSpPr txBox="1"/>
+          <p:nvPr/>
+        </p:nvSpPr>
+        <p:spPr>
+          <a:xfrm>
+            <a:off x="5452369" y="3978674"/>
+            <a:ext cx="230820" cy="261610"/>
+          </a:xfrm>
+          <a:prstGeom prst="rect">
+            <a:avLst/>
+          </a:prstGeom>
+          <a:noFill/>
+        </p:spPr>
+        <p:txBody>
+          <a:bodyPr wrap="square" rtlCol="0">
+            <a:spAutoFit/>
+          </a:bodyPr>
+          <a:lstStyle/>
+          <a:p>
+            <a:r>
+              <a:rPr lang="en-US" sz="1100" dirty="0" smtClean="0"/>
+              <a:t>3</a:t>
+            </a:r>
+            <a:endParaRPr lang="en-US" sz="1100" dirty="0"/>
+          </a:p>
+        </p:txBody>
+      </p:sp>
+      <p:sp>
+        <p:nvSpPr>
+          <p:cNvPr id="80" name="TextBox 79"/>
+          <p:cNvSpPr txBox="1"/>
+          <p:nvPr/>
+        </p:nvSpPr>
+        <p:spPr>
+          <a:xfrm>
+            <a:off x="5444971" y="3696070"/>
+            <a:ext cx="230820" cy="261610"/>
+          </a:xfrm>
+          <a:prstGeom prst="rect">
+            <a:avLst/>
+          </a:prstGeom>
+          <a:noFill/>
+        </p:spPr>
+        <p:txBody>
+          <a:bodyPr wrap="square" rtlCol="0">
+            <a:spAutoFit/>
+          </a:bodyPr>
+          <a:lstStyle/>
+          <a:p>
+            <a:r>
+              <a:rPr lang="en-US" sz="1100" dirty="0" smtClean="0"/>
+              <a:t>1</a:t>
+            </a:r>
+            <a:endParaRPr lang="en-US" sz="1100" dirty="0"/>
+          </a:p>
+        </p:txBody>
+      </p:sp>
+      <p:sp>
+        <p:nvSpPr>
+          <p:cNvPr id="81" name="TextBox 80"/>
+          <p:cNvSpPr txBox="1"/>
+          <p:nvPr/>
+        </p:nvSpPr>
+        <p:spPr>
+          <a:xfrm>
+            <a:off x="5730534" y="3706429"/>
+            <a:ext cx="230820" cy="261610"/>
+          </a:xfrm>
+          <a:prstGeom prst="rect">
+            <a:avLst/>
+          </a:prstGeom>
+          <a:noFill/>
+        </p:spPr>
+        <p:txBody>
+          <a:bodyPr wrap="square" rtlCol="0">
+            <a:spAutoFit/>
+          </a:bodyPr>
+          <a:lstStyle/>
+          <a:p>
+            <a:r>
+              <a:rPr lang="en-US" sz="1100" dirty="0" smtClean="0"/>
+              <a:t>0</a:t>
+            </a:r>
+            <a:endParaRPr lang="en-US" sz="1100" dirty="0"/>
+          </a:p>
+        </p:txBody>
+      </p:sp>
+      <p:sp>
+        <p:nvSpPr>
+          <p:cNvPr id="82" name="TextBox 81"/>
+          <p:cNvSpPr txBox="1"/>
+          <p:nvPr/>
+        </p:nvSpPr>
+        <p:spPr>
+          <a:xfrm>
+            <a:off x="5723134" y="3991992"/>
+            <a:ext cx="230820" cy="261610"/>
+          </a:xfrm>
+          <a:prstGeom prst="rect">
+            <a:avLst/>
+          </a:prstGeom>
+          <a:noFill/>
+        </p:spPr>
+        <p:txBody>
+          <a:bodyPr wrap="square" rtlCol="0">
+            <a:spAutoFit/>
+          </a:bodyPr>
+          <a:lstStyle/>
+          <a:p>
+            <a:r>
+              <a:rPr lang="en-US" sz="1100" dirty="0" smtClean="0"/>
+              <a:t>2</a:t>
+            </a:r>
+            <a:endParaRPr lang="en-US" sz="1100" dirty="0"/>
+          </a:p>
+        </p:txBody>
+      </p:sp>
+    </p:spTree>
+  </p:cSld>
+  <p:clrMapOvr>
+    <a:masterClrMapping/>
+  </p:clrMapOvr>
+</p:sld>
+</file>
+
+<file path=ppt/slides/slide6.xml><?xml version="1.0" encoding="utf-8"?>
+<p:sld xmlns:a="http://schemas.openxmlformats.org/drawingml/2006/main" xmlns:r="http://schemas.openxmlformats.org/officeDocument/2006/relationships" xmlns:p="http://schemas.openxmlformats.org/presentationml/2006/main" showMasterSp="0">
+  <p:cSld>
+    <p:spTree>
+      <p:nvGrpSpPr>
+        <p:cNvPr id="1" name=""/>
+        <p:cNvGrpSpPr/>
+        <p:nvPr/>
+      </p:nvGrpSpPr>
+      <p:grpSpPr>
+        <a:xfrm>
+          <a:off x="0" y="0"/>
+          <a:ext cx="0" cy="0"/>
+          <a:chOff x="0" y="0"/>
+          <a:chExt cx="0" cy="0"/>
+        </a:xfrm>
+      </p:grpSpPr>
+      <p:sp>
+        <p:nvSpPr>
+          <p:cNvPr id="4" name="Rectangle 3"/>
+          <p:cNvSpPr/>
+          <p:nvPr/>
+        </p:nvSpPr>
+        <p:spPr bwMode="auto">
+          <a:xfrm>
+            <a:off x="1608338" y="3897065"/>
+            <a:ext cx="2681758" cy="934158"/>
+          </a:xfrm>
+          <a:prstGeom prst="rect">
+            <a:avLst/>
+          </a:prstGeom>
+          <a:noFill/>
+          <a:ln w="12700" cap="flat" cmpd="sng" algn="ctr">
+            <a:solidFill>
+              <a:schemeClr val="tx2"/>
+            </a:solidFill>
+            <a:prstDash val="solid"/>
+            <a:round/>
+            <a:headEnd type="none" w="lg" len="med"/>
+            <a:tailEnd type="none" w="lg" len="med"/>
+          </a:ln>
+          <a:effectLst/>
+        </p:spPr>
+        <p:txBody>
+          <a:bodyPr vert="horz" wrap="square" lIns="91440" tIns="45720" rIns="91440" bIns="45720" numCol="1" rtlCol="0" anchor="t" anchorCtr="0" compatLnSpc="1">
+            <a:prstTxWarp prst="textNoShape">
+              <a:avLst/>
+            </a:prstTxWarp>
+            <a:noAutofit/>
+          </a:bodyPr>
+          <a:lstStyle/>
+          <a:p>
+            <a:pPr marL="0" marR="0" indent="0" algn="l" defTabSz="914400" rtl="0" eaLnBrk="0" fontAlgn="base" latinLnBrk="0" hangingPunct="0">
+              <a:lnSpc>
+                <a:spcPct val="100000"/>
+              </a:lnSpc>
+              <a:spcBef>
+                <a:spcPct val="50000"/>
+              </a:spcBef>
+              <a:spcAft>
+                <a:spcPct val="0"/>
+              </a:spcAft>
+              <a:buClrTx/>
+              <a:buSzTx/>
+              <a:buFontTx/>
+              <a:buNone/>
+              <a:tabLst/>
+            </a:pPr>
+            <a:endParaRPr kumimoji="0" lang="en-US" sz="2800" b="0" i="0" u="none" strike="noStrike" cap="none" normalizeH="0" baseline="0" smtClean="0">
+              <a:ln>
+                <a:noFill/>
+              </a:ln>
+              <a:solidFill>
+                <a:schemeClr val="tx1"/>
+              </a:solidFill>
+              <a:effectLst/>
+              <a:latin typeface="Times New Roman" pitchFamily="18" charset="0"/>
+            </a:endParaRPr>
+          </a:p>
+        </p:txBody>
+      </p:sp>
+      <p:sp>
+        <p:nvSpPr>
+          <p:cNvPr id="6" name="Rectangle 5"/>
+          <p:cNvSpPr/>
+          <p:nvPr/>
+        </p:nvSpPr>
+        <p:spPr bwMode="auto">
+          <a:xfrm>
+            <a:off x="819302" y="1719072"/>
+            <a:ext cx="5624357" cy="1709643"/>
+          </a:xfrm>
+          <a:prstGeom prst="rect">
+            <a:avLst/>
+          </a:prstGeom>
+          <a:noFill/>
+          <a:ln w="12700" cap="flat" cmpd="sng" algn="ctr">
+            <a:solidFill>
+              <a:schemeClr val="tx2"/>
+            </a:solidFill>
+            <a:prstDash val="solid"/>
+            <a:round/>
+            <a:headEnd type="none" w="lg" len="med"/>
+            <a:tailEnd type="none" w="lg" len="med"/>
+          </a:ln>
+          <a:effectLst/>
+        </p:spPr>
+        <p:txBody>
+          <a:bodyPr vert="horz" wrap="square" lIns="91440" tIns="45720" rIns="91440" bIns="45720" numCol="1" rtlCol="0" anchor="t" anchorCtr="0" compatLnSpc="1">
+            <a:prstTxWarp prst="textNoShape">
+              <a:avLst/>
+            </a:prstTxWarp>
+            <a:noAutofit/>
+          </a:bodyPr>
+          <a:lstStyle/>
+          <a:p>
+            <a:pPr marL="0" marR="0" indent="0" algn="l" defTabSz="914400" rtl="0" eaLnBrk="0" fontAlgn="base" latinLnBrk="0" hangingPunct="0">
+              <a:lnSpc>
+                <a:spcPct val="100000"/>
+              </a:lnSpc>
+              <a:spcBef>
+                <a:spcPct val="50000"/>
+              </a:spcBef>
+              <a:spcAft>
+                <a:spcPct val="0"/>
+              </a:spcAft>
+              <a:buClrTx/>
+              <a:buSzTx/>
+              <a:buFontTx/>
+              <a:buNone/>
+              <a:tabLst/>
+            </a:pPr>
+            <a:endParaRPr kumimoji="0" lang="en-US" sz="2800" b="0" i="0" u="none" strike="noStrike" cap="none" normalizeH="0" baseline="0" smtClean="0">
+              <a:ln>
+                <a:noFill/>
+              </a:ln>
+              <a:solidFill>
+                <a:schemeClr val="tx1"/>
+              </a:solidFill>
+              <a:effectLst/>
+              <a:latin typeface="Times New Roman" pitchFamily="18" charset="0"/>
+            </a:endParaRPr>
+          </a:p>
+        </p:txBody>
+      </p:sp>
+      <p:sp>
+        <p:nvSpPr>
+          <p:cNvPr id="7" name="Rectangle 6"/>
+          <p:cNvSpPr/>
+          <p:nvPr/>
+        </p:nvSpPr>
+        <p:spPr bwMode="auto">
+          <a:xfrm>
+            <a:off x="6653372" y="1689811"/>
+            <a:ext cx="321980" cy="1745259"/>
+          </a:xfrm>
+          <a:prstGeom prst="rect">
+            <a:avLst/>
+          </a:prstGeom>
+          <a:noFill/>
+          <a:ln w="12700" cap="flat" cmpd="sng" algn="ctr">
+            <a:solidFill>
+              <a:schemeClr val="tx2"/>
+            </a:solidFill>
+            <a:prstDash val="solid"/>
+            <a:round/>
+            <a:headEnd type="none" w="lg" len="med"/>
+            <a:tailEnd type="none" w="lg" len="med"/>
+          </a:ln>
+          <a:effectLst/>
+        </p:spPr>
+        <p:txBody>
+          <a:bodyPr vert="horz" wrap="square" lIns="91440" tIns="45720" rIns="91440" bIns="45720" numCol="1" rtlCol="0" anchor="t" anchorCtr="0" compatLnSpc="1">
+            <a:prstTxWarp prst="textNoShape">
+              <a:avLst/>
+            </a:prstTxWarp>
+            <a:noAutofit/>
+          </a:bodyPr>
+          <a:lstStyle/>
+          <a:p>
+            <a:pPr marL="0" marR="0" indent="0" algn="l" defTabSz="914400" rtl="0" eaLnBrk="0" fontAlgn="base" latinLnBrk="0" hangingPunct="0">
+              <a:lnSpc>
+                <a:spcPct val="100000"/>
+              </a:lnSpc>
+              <a:spcBef>
+                <a:spcPct val="50000"/>
+              </a:spcBef>
+              <a:spcAft>
+                <a:spcPct val="0"/>
+              </a:spcAft>
+              <a:buClrTx/>
+              <a:buSzTx/>
+              <a:buFontTx/>
+              <a:buNone/>
+              <a:tabLst/>
+            </a:pPr>
+            <a:endParaRPr kumimoji="0" lang="en-US" sz="2800" b="0" i="0" u="none" strike="noStrike" cap="none" normalizeH="0" baseline="0" smtClean="0">
+              <a:ln>
+                <a:noFill/>
+              </a:ln>
+              <a:solidFill>
+                <a:schemeClr val="tx1"/>
+              </a:solidFill>
+              <a:effectLst/>
+              <a:latin typeface="Times New Roman" pitchFamily="18" charset="0"/>
+            </a:endParaRPr>
+          </a:p>
+        </p:txBody>
+      </p:sp>
+      <p:sp>
+        <p:nvSpPr>
+          <p:cNvPr id="8" name="Rectangle 7"/>
+          <p:cNvSpPr/>
+          <p:nvPr/>
+        </p:nvSpPr>
+        <p:spPr bwMode="auto">
+          <a:xfrm>
+            <a:off x="7030431" y="1689811"/>
+            <a:ext cx="294441" cy="4788107"/>
+          </a:xfrm>
+          <a:prstGeom prst="rect">
+            <a:avLst/>
+          </a:prstGeom>
+          <a:noFill/>
+          <a:ln w="12700" cap="flat" cmpd="sng" algn="ctr">
+            <a:solidFill>
+              <a:schemeClr val="tx2"/>
+            </a:solidFill>
+            <a:prstDash val="solid"/>
+            <a:round/>
+            <a:headEnd type="none" w="lg" len="med"/>
+            <a:tailEnd type="none" w="lg" len="med"/>
+          </a:ln>
+          <a:effectLst/>
+        </p:spPr>
+        <p:txBody>
+          <a:bodyPr vert="horz" wrap="square" lIns="91440" tIns="45720" rIns="91440" bIns="45720" numCol="1" rtlCol="0" anchor="t" anchorCtr="0" compatLnSpc="1">
+            <a:prstTxWarp prst="textNoShape">
+              <a:avLst/>
+            </a:prstTxWarp>
+            <a:noAutofit/>
+          </a:bodyPr>
+          <a:lstStyle/>
+          <a:p>
+            <a:pPr marL="0" marR="0" indent="0" algn="l" defTabSz="914400" rtl="0" eaLnBrk="0" fontAlgn="base" latinLnBrk="0" hangingPunct="0">
+              <a:lnSpc>
+                <a:spcPct val="100000"/>
+              </a:lnSpc>
+              <a:spcBef>
+                <a:spcPct val="50000"/>
+              </a:spcBef>
+              <a:spcAft>
+                <a:spcPct val="0"/>
+              </a:spcAft>
+              <a:buClrTx/>
+              <a:buSzTx/>
+              <a:buFontTx/>
+              <a:buNone/>
+              <a:tabLst/>
+            </a:pPr>
+            <a:endParaRPr kumimoji="0" lang="en-US" sz="2800" b="0" i="0" u="none" strike="noStrike" cap="none" normalizeH="0" baseline="0" smtClean="0">
+              <a:ln>
+                <a:noFill/>
+              </a:ln>
+              <a:solidFill>
+                <a:schemeClr val="tx1"/>
+              </a:solidFill>
+              <a:effectLst/>
+              <a:latin typeface="Times New Roman" pitchFamily="18" charset="0"/>
+            </a:endParaRPr>
+          </a:p>
+        </p:txBody>
+      </p:sp>
+      <p:sp>
+        <p:nvSpPr>
+          <p:cNvPr id="9" name="Oval 8"/>
+          <p:cNvSpPr/>
+          <p:nvPr/>
+        </p:nvSpPr>
+        <p:spPr bwMode="auto">
+          <a:xfrm>
+            <a:off x="7068407" y="3440978"/>
+            <a:ext cx="209711" cy="205296"/>
+          </a:xfrm>
+          <a:prstGeom prst="ellipse">
+            <a:avLst/>
+          </a:prstGeom>
+          <a:noFill/>
+          <a:ln w="12700" cap="flat" cmpd="sng" algn="ctr">
+            <a:solidFill>
+              <a:srgbClr val="92D050"/>
+            </a:solidFill>
+            <a:prstDash val="solid"/>
+            <a:round/>
+            <a:headEnd type="none" w="lg" len="med"/>
+            <a:tailEnd type="none" w="lg" len="med"/>
+          </a:ln>
+          <a:effectLst/>
+        </p:spPr>
+        <p:txBody>
+          <a:bodyPr vert="horz" wrap="square" lIns="91440" tIns="45720" rIns="91440" bIns="45720" numCol="1" rtlCol="0" anchor="t" anchorCtr="0" compatLnSpc="1">
+            <a:prstTxWarp prst="textNoShape">
+              <a:avLst/>
+            </a:prstTxWarp>
+            <a:noAutofit/>
+          </a:bodyPr>
+          <a:lstStyle/>
+          <a:p>
+            <a:pPr marL="0" marR="0" indent="0" algn="l" defTabSz="914400" rtl="0" eaLnBrk="0" fontAlgn="base" latinLnBrk="0" hangingPunct="0">
+              <a:lnSpc>
+                <a:spcPct val="100000"/>
+              </a:lnSpc>
+              <a:spcBef>
+                <a:spcPct val="50000"/>
+              </a:spcBef>
+              <a:spcAft>
+                <a:spcPct val="0"/>
+              </a:spcAft>
+              <a:buClrTx/>
+              <a:buSzTx/>
+              <a:buFontTx/>
+              <a:buNone/>
+              <a:tabLst/>
+            </a:pPr>
+            <a:endParaRPr kumimoji="0" lang="en-US" sz="2800" b="0" i="0" u="none" strike="noStrike" cap="none" normalizeH="0" baseline="0" smtClean="0">
+              <a:ln>
+                <a:noFill/>
+              </a:ln>
+              <a:solidFill>
+                <a:schemeClr val="tx1"/>
+              </a:solidFill>
+              <a:effectLst/>
+              <a:latin typeface="Times New Roman" pitchFamily="18" charset="0"/>
+            </a:endParaRPr>
+          </a:p>
+        </p:txBody>
+      </p:sp>
+      <p:sp>
+        <p:nvSpPr>
+          <p:cNvPr id="16" name="Rectangle 15"/>
+          <p:cNvSpPr/>
+          <p:nvPr/>
+        </p:nvSpPr>
+        <p:spPr bwMode="auto">
+          <a:xfrm>
+            <a:off x="1610453" y="3657684"/>
+            <a:ext cx="2681758" cy="239372"/>
+          </a:xfrm>
+          <a:prstGeom prst="rect">
+            <a:avLst/>
+          </a:prstGeom>
+          <a:noFill/>
+          <a:ln w="12700" cap="flat" cmpd="sng" algn="ctr">
+            <a:solidFill>
+              <a:schemeClr val="tx2"/>
+            </a:solidFill>
+            <a:prstDash val="solid"/>
+            <a:round/>
+            <a:headEnd type="none" w="lg" len="med"/>
+            <a:tailEnd type="none" w="lg" len="med"/>
+          </a:ln>
+          <a:effectLst/>
+        </p:spPr>
+        <p:txBody>
+          <a:bodyPr vert="horz" wrap="square" lIns="91440" tIns="45720" rIns="91440" bIns="45720" numCol="1" rtlCol="0" anchor="t" anchorCtr="0" compatLnSpc="1">
+            <a:prstTxWarp prst="textNoShape">
+              <a:avLst/>
+            </a:prstTxWarp>
+            <a:noAutofit/>
+          </a:bodyPr>
+          <a:lstStyle/>
+          <a:p>
+            <a:pPr marL="0" marR="0" indent="0" algn="l" defTabSz="914400" rtl="0" eaLnBrk="0" fontAlgn="base" latinLnBrk="0" hangingPunct="0">
+              <a:lnSpc>
+                <a:spcPct val="100000"/>
+              </a:lnSpc>
+              <a:spcBef>
+                <a:spcPct val="50000"/>
+              </a:spcBef>
+              <a:spcAft>
+                <a:spcPct val="0"/>
+              </a:spcAft>
+              <a:buClrTx/>
+              <a:buSzTx/>
+              <a:buFontTx/>
+              <a:buNone/>
+              <a:tabLst/>
+            </a:pPr>
+            <a:endParaRPr kumimoji="0" lang="en-US" sz="2800" b="0" i="0" u="none" strike="noStrike" cap="none" normalizeH="0" baseline="0" smtClean="0">
+              <a:ln>
+                <a:noFill/>
+              </a:ln>
+              <a:solidFill>
+                <a:schemeClr val="tx1"/>
+              </a:solidFill>
+              <a:effectLst/>
+              <a:latin typeface="Times New Roman" pitchFamily="18" charset="0"/>
+            </a:endParaRPr>
+          </a:p>
+        </p:txBody>
+      </p:sp>
+      <p:sp>
+        <p:nvSpPr>
+          <p:cNvPr id="10" name="Rectangle 9"/>
+          <p:cNvSpPr/>
+          <p:nvPr/>
+        </p:nvSpPr>
+        <p:spPr bwMode="auto">
+          <a:xfrm>
+            <a:off x="6237422" y="3670189"/>
+            <a:ext cx="731577" cy="1016111"/>
+          </a:xfrm>
+          <a:prstGeom prst="rect">
+            <a:avLst/>
+          </a:prstGeom>
+          <a:noFill/>
+          <a:ln w="12700" cap="flat" cmpd="sng" algn="ctr">
+            <a:solidFill>
+              <a:schemeClr val="tx2"/>
+            </a:solidFill>
+            <a:prstDash val="solid"/>
+            <a:round/>
+            <a:headEnd type="none" w="lg" len="med"/>
+            <a:tailEnd type="none" w="lg" len="med"/>
+          </a:ln>
+          <a:effectLst/>
+        </p:spPr>
+        <p:txBody>
+          <a:bodyPr vert="horz" wrap="square" lIns="91440" tIns="45720" rIns="91440" bIns="45720" numCol="1" rtlCol="0" anchor="t" anchorCtr="0" compatLnSpc="1">
+            <a:prstTxWarp prst="textNoShape">
+              <a:avLst/>
+            </a:prstTxWarp>
+            <a:noAutofit/>
+          </a:bodyPr>
+          <a:lstStyle/>
+          <a:p>
+            <a:pPr marL="0" marR="0" indent="0" algn="l" defTabSz="914400" rtl="0" eaLnBrk="0" fontAlgn="base" latinLnBrk="0" hangingPunct="0">
+              <a:lnSpc>
+                <a:spcPct val="100000"/>
+              </a:lnSpc>
+              <a:spcBef>
+                <a:spcPct val="50000"/>
+              </a:spcBef>
+              <a:spcAft>
+                <a:spcPct val="0"/>
+              </a:spcAft>
+              <a:buClrTx/>
+              <a:buSzTx/>
+              <a:buFontTx/>
+              <a:buNone/>
+              <a:tabLst/>
+            </a:pPr>
+            <a:endParaRPr kumimoji="0" lang="en-US" sz="2800" b="0" i="0" u="none" strike="noStrike" cap="none" normalizeH="0" baseline="0" smtClean="0">
+              <a:ln>
+                <a:noFill/>
+              </a:ln>
+              <a:solidFill>
+                <a:schemeClr val="tx1"/>
+              </a:solidFill>
+              <a:effectLst/>
+              <a:latin typeface="Times New Roman" pitchFamily="18" charset="0"/>
+            </a:endParaRPr>
+          </a:p>
+        </p:txBody>
+      </p:sp>
+      <p:sp>
+        <p:nvSpPr>
+          <p:cNvPr id="11" name="Oval 10"/>
+          <p:cNvSpPr/>
+          <p:nvPr/>
+        </p:nvSpPr>
+        <p:spPr bwMode="auto">
+          <a:xfrm flipV="1">
+            <a:off x="6650108" y="3706709"/>
+            <a:ext cx="265296" cy="259711"/>
+          </a:xfrm>
+          <a:prstGeom prst="ellipse">
+            <a:avLst/>
+          </a:prstGeom>
+          <a:noFill/>
+          <a:ln w="12700" cap="flat" cmpd="sng" algn="ctr">
+            <a:solidFill>
+              <a:schemeClr val="tx2"/>
+            </a:solidFill>
+            <a:prstDash val="solid"/>
+            <a:round/>
+            <a:headEnd type="none" w="lg" len="med"/>
+            <a:tailEnd type="none" w="lg" len="med"/>
+          </a:ln>
+          <a:effectLst/>
+        </p:spPr>
+        <p:txBody>
+          <a:bodyPr vert="horz" wrap="square" lIns="91440" tIns="45720" rIns="91440" bIns="45720" numCol="1" rtlCol="0" anchor="t" anchorCtr="0" compatLnSpc="1">
+            <a:prstTxWarp prst="textNoShape">
+              <a:avLst/>
+            </a:prstTxWarp>
+            <a:noAutofit/>
+          </a:bodyPr>
+          <a:lstStyle/>
+          <a:p>
+            <a:pPr marL="0" marR="0" indent="0" algn="l" defTabSz="914400" rtl="0" eaLnBrk="0" fontAlgn="base" latinLnBrk="0" hangingPunct="0">
+              <a:lnSpc>
+                <a:spcPct val="100000"/>
+              </a:lnSpc>
+              <a:spcBef>
+                <a:spcPct val="50000"/>
+              </a:spcBef>
+              <a:spcAft>
+                <a:spcPct val="0"/>
+              </a:spcAft>
+              <a:buClrTx/>
+              <a:buSzTx/>
+              <a:buFontTx/>
+              <a:buNone/>
+              <a:tabLst/>
+            </a:pPr>
+            <a:endParaRPr kumimoji="0" lang="en-US" sz="2800" b="0" i="0" u="none" strike="noStrike" cap="none" normalizeH="0" baseline="0" smtClean="0">
+              <a:ln>
+                <a:noFill/>
+              </a:ln>
+              <a:solidFill>
+                <a:schemeClr val="tx1"/>
+              </a:solidFill>
+              <a:effectLst/>
+              <a:latin typeface="Times New Roman" pitchFamily="18" charset="0"/>
+            </a:endParaRPr>
+          </a:p>
+        </p:txBody>
+      </p:sp>
+      <p:sp>
+        <p:nvSpPr>
+          <p:cNvPr id="12" name="Oval 11"/>
+          <p:cNvSpPr/>
+          <p:nvPr/>
+        </p:nvSpPr>
+        <p:spPr bwMode="auto">
+          <a:xfrm flipV="1">
+            <a:off x="6331199" y="3752272"/>
+            <a:ext cx="219737" cy="215111"/>
+          </a:xfrm>
+          <a:prstGeom prst="ellipse">
+            <a:avLst/>
+          </a:prstGeom>
+          <a:noFill/>
+          <a:ln w="12700" cap="flat" cmpd="sng" algn="ctr">
+            <a:solidFill>
+              <a:schemeClr val="tx2"/>
+            </a:solidFill>
+            <a:prstDash val="solid"/>
+            <a:round/>
+            <a:headEnd type="none" w="lg" len="med"/>
+            <a:tailEnd type="none" w="lg" len="med"/>
+          </a:ln>
+          <a:effectLst/>
+        </p:spPr>
+        <p:txBody>
+          <a:bodyPr vert="horz" wrap="square" lIns="91440" tIns="45720" rIns="91440" bIns="45720" numCol="1" rtlCol="0" anchor="t" anchorCtr="0" compatLnSpc="1">
+            <a:prstTxWarp prst="textNoShape">
+              <a:avLst/>
+            </a:prstTxWarp>
+            <a:noAutofit/>
+          </a:bodyPr>
+          <a:lstStyle/>
+          <a:p>
+            <a:pPr marL="0" marR="0" indent="0" algn="l" defTabSz="914400" rtl="0" eaLnBrk="0" fontAlgn="base" latinLnBrk="0" hangingPunct="0">
+              <a:lnSpc>
+                <a:spcPct val="100000"/>
+              </a:lnSpc>
+              <a:spcBef>
+                <a:spcPct val="50000"/>
+              </a:spcBef>
+              <a:spcAft>
+                <a:spcPct val="0"/>
+              </a:spcAft>
+              <a:buClrTx/>
+              <a:buSzTx/>
+              <a:buFontTx/>
+              <a:buNone/>
+              <a:tabLst/>
+            </a:pPr>
+            <a:endParaRPr kumimoji="0" lang="en-US" sz="2800" b="0" i="0" u="none" strike="noStrike" cap="none" normalizeH="0" baseline="0" smtClean="0">
+              <a:ln>
+                <a:noFill/>
+              </a:ln>
+              <a:solidFill>
+                <a:schemeClr val="tx1"/>
+              </a:solidFill>
+              <a:effectLst/>
+              <a:latin typeface="Times New Roman" pitchFamily="18" charset="0"/>
+            </a:endParaRPr>
+          </a:p>
+        </p:txBody>
+      </p:sp>
+      <p:sp>
+        <p:nvSpPr>
+          <p:cNvPr id="13" name="Oval 12"/>
+          <p:cNvSpPr/>
+          <p:nvPr/>
+        </p:nvSpPr>
+        <p:spPr bwMode="auto">
+          <a:xfrm flipV="1">
+            <a:off x="6350203" y="4202308"/>
+            <a:ext cx="219737" cy="215111"/>
+          </a:xfrm>
+          <a:prstGeom prst="ellipse">
+            <a:avLst/>
+          </a:prstGeom>
+          <a:noFill/>
+          <a:ln w="12700" cap="flat" cmpd="sng" algn="ctr">
+            <a:solidFill>
+              <a:schemeClr val="tx2"/>
+            </a:solidFill>
+            <a:prstDash val="solid"/>
+            <a:round/>
+            <a:headEnd type="none" w="lg" len="med"/>
+            <a:tailEnd type="none" w="lg" len="med"/>
+          </a:ln>
+          <a:effectLst/>
+        </p:spPr>
+        <p:txBody>
+          <a:bodyPr vert="horz" wrap="square" lIns="91440" tIns="45720" rIns="91440" bIns="45720" numCol="1" rtlCol="0" anchor="t" anchorCtr="0" compatLnSpc="1">
+            <a:prstTxWarp prst="textNoShape">
+              <a:avLst/>
+            </a:prstTxWarp>
+            <a:noAutofit/>
+          </a:bodyPr>
+          <a:lstStyle/>
+          <a:p>
+            <a:pPr marL="0" marR="0" indent="0" algn="l" defTabSz="914400" rtl="0" eaLnBrk="0" fontAlgn="base" latinLnBrk="0" hangingPunct="0">
+              <a:lnSpc>
+                <a:spcPct val="100000"/>
+              </a:lnSpc>
+              <a:spcBef>
+                <a:spcPct val="50000"/>
+              </a:spcBef>
+              <a:spcAft>
+                <a:spcPct val="0"/>
+              </a:spcAft>
+              <a:buClrTx/>
+              <a:buSzTx/>
+              <a:buFontTx/>
+              <a:buNone/>
+              <a:tabLst/>
+            </a:pPr>
+            <a:endParaRPr kumimoji="0" lang="en-US" sz="2800" b="0" i="0" u="none" strike="noStrike" cap="none" normalizeH="0" baseline="0" smtClean="0">
+              <a:ln>
+                <a:noFill/>
+              </a:ln>
+              <a:solidFill>
+                <a:schemeClr val="tx1"/>
+              </a:solidFill>
+              <a:effectLst/>
+              <a:latin typeface="Times New Roman" pitchFamily="18" charset="0"/>
+            </a:endParaRPr>
+          </a:p>
+        </p:txBody>
+      </p:sp>
+      <p:sp>
+        <p:nvSpPr>
+          <p:cNvPr id="14" name="Oval 13"/>
+          <p:cNvSpPr/>
+          <p:nvPr/>
+        </p:nvSpPr>
+        <p:spPr bwMode="auto">
+          <a:xfrm flipV="1">
+            <a:off x="6658133" y="4199633"/>
+            <a:ext cx="219737" cy="215111"/>
+          </a:xfrm>
+          <a:prstGeom prst="ellipse">
+            <a:avLst/>
+          </a:prstGeom>
+          <a:noFill/>
+          <a:ln w="12700" cap="flat" cmpd="sng" algn="ctr">
+            <a:solidFill>
+              <a:schemeClr val="tx2"/>
+            </a:solidFill>
+            <a:prstDash val="solid"/>
+            <a:round/>
+            <a:headEnd type="none" w="lg" len="med"/>
+            <a:tailEnd type="none" w="lg" len="med"/>
+          </a:ln>
+          <a:effectLst/>
+        </p:spPr>
+        <p:txBody>
+          <a:bodyPr vert="horz" wrap="square" lIns="91440" tIns="45720" rIns="91440" bIns="45720" numCol="1" rtlCol="0" anchor="t" anchorCtr="0" compatLnSpc="1">
+            <a:prstTxWarp prst="textNoShape">
+              <a:avLst/>
+            </a:prstTxWarp>
+            <a:noAutofit/>
+          </a:bodyPr>
+          <a:lstStyle/>
+          <a:p>
+            <a:pPr marL="0" marR="0" indent="0" algn="l" defTabSz="914400" rtl="0" eaLnBrk="0" fontAlgn="base" latinLnBrk="0" hangingPunct="0">
+              <a:lnSpc>
+                <a:spcPct val="100000"/>
+              </a:lnSpc>
+              <a:spcBef>
+                <a:spcPct val="50000"/>
+              </a:spcBef>
+              <a:spcAft>
+                <a:spcPct val="0"/>
+              </a:spcAft>
+              <a:buClrTx/>
+              <a:buSzTx/>
+              <a:buFontTx/>
+              <a:buNone/>
+              <a:tabLst/>
+            </a:pPr>
+            <a:endParaRPr kumimoji="0" lang="en-US" sz="2800" b="0" i="0" u="none" strike="noStrike" cap="none" normalizeH="0" baseline="0" smtClean="0">
+              <a:ln>
+                <a:noFill/>
+              </a:ln>
+              <a:solidFill>
+                <a:schemeClr val="tx1"/>
+              </a:solidFill>
+              <a:effectLst/>
+              <a:latin typeface="Times New Roman" pitchFamily="18" charset="0"/>
+            </a:endParaRPr>
+          </a:p>
+        </p:txBody>
+      </p:sp>
+      <p:sp>
+        <p:nvSpPr>
+          <p:cNvPr id="18" name="Oval 17"/>
+          <p:cNvSpPr/>
+          <p:nvPr/>
+        </p:nvSpPr>
+        <p:spPr bwMode="auto">
+          <a:xfrm>
+            <a:off x="4486024" y="4428167"/>
+            <a:ext cx="383414" cy="375341"/>
+          </a:xfrm>
+          <a:prstGeom prst="ellipse">
+            <a:avLst/>
+          </a:prstGeom>
+          <a:noFill/>
+          <a:ln w="12700" cap="flat" cmpd="sng" algn="ctr">
+            <a:solidFill>
+              <a:schemeClr val="tx2"/>
+            </a:solidFill>
+            <a:prstDash val="solid"/>
+            <a:round/>
+            <a:headEnd type="none" w="lg" len="med"/>
+            <a:tailEnd type="none" w="lg" len="med"/>
+          </a:ln>
+          <a:effectLst/>
+        </p:spPr>
+        <p:txBody>
+          <a:bodyPr vert="horz" wrap="square" lIns="91440" tIns="45720" rIns="91440" bIns="45720" numCol="1" rtlCol="0" anchor="t" anchorCtr="0" compatLnSpc="1">
+            <a:prstTxWarp prst="textNoShape">
+              <a:avLst/>
+            </a:prstTxWarp>
+            <a:noAutofit/>
+          </a:bodyPr>
+          <a:lstStyle/>
+          <a:p>
+            <a:pPr marL="0" marR="0" indent="0" algn="l" defTabSz="914400" rtl="0" eaLnBrk="0" fontAlgn="base" latinLnBrk="0" hangingPunct="0">
+              <a:lnSpc>
+                <a:spcPct val="100000"/>
+              </a:lnSpc>
+              <a:spcBef>
+                <a:spcPct val="50000"/>
+              </a:spcBef>
+              <a:spcAft>
+                <a:spcPct val="0"/>
+              </a:spcAft>
+              <a:buClrTx/>
+              <a:buSzTx/>
+              <a:buFontTx/>
+              <a:buNone/>
+              <a:tabLst/>
+            </a:pPr>
+            <a:endParaRPr kumimoji="0" lang="en-US" sz="2800" b="0" i="0" u="none" strike="noStrike" cap="none" normalizeH="0" baseline="0" smtClean="0">
+              <a:ln>
+                <a:noFill/>
+              </a:ln>
+              <a:solidFill>
+                <a:schemeClr val="tx1"/>
+              </a:solidFill>
+              <a:effectLst/>
+              <a:latin typeface="Times New Roman" pitchFamily="18" charset="0"/>
+            </a:endParaRPr>
+          </a:p>
+        </p:txBody>
+      </p:sp>
+      <p:sp>
+        <p:nvSpPr>
+          <p:cNvPr id="20" name="Oval 19"/>
+          <p:cNvSpPr/>
+          <p:nvPr/>
+        </p:nvSpPr>
+        <p:spPr bwMode="auto">
+          <a:xfrm>
+            <a:off x="3809223" y="4430282"/>
+            <a:ext cx="383414" cy="375342"/>
+          </a:xfrm>
+          <a:prstGeom prst="ellipse">
+            <a:avLst/>
+          </a:prstGeom>
+          <a:noFill/>
+          <a:ln w="12700" cap="flat" cmpd="sng" algn="ctr">
+            <a:solidFill>
+              <a:schemeClr val="tx2"/>
+            </a:solidFill>
+            <a:prstDash val="solid"/>
+            <a:round/>
+            <a:headEnd type="none" w="lg" len="med"/>
+            <a:tailEnd type="none" w="lg" len="med"/>
+          </a:ln>
+          <a:effectLst/>
+        </p:spPr>
+        <p:txBody>
+          <a:bodyPr vert="horz" wrap="square" lIns="91440" tIns="45720" rIns="91440" bIns="45720" numCol="1" rtlCol="0" anchor="t" anchorCtr="0" compatLnSpc="1">
+            <a:prstTxWarp prst="textNoShape">
+              <a:avLst/>
+            </a:prstTxWarp>
+            <a:noAutofit/>
+          </a:bodyPr>
+          <a:lstStyle/>
+          <a:p>
+            <a:pPr marL="0" marR="0" indent="0" algn="l" defTabSz="914400" rtl="0" eaLnBrk="0" fontAlgn="base" latinLnBrk="0" hangingPunct="0">
+              <a:lnSpc>
+                <a:spcPct val="100000"/>
+              </a:lnSpc>
+              <a:spcBef>
+                <a:spcPct val="50000"/>
+              </a:spcBef>
+              <a:spcAft>
+                <a:spcPct val="0"/>
+              </a:spcAft>
+              <a:buClrTx/>
+              <a:buSzTx/>
+              <a:buFontTx/>
+              <a:buNone/>
+              <a:tabLst/>
+            </a:pPr>
+            <a:endParaRPr kumimoji="0" lang="en-US" sz="2800" b="0" i="0" u="none" strike="noStrike" cap="none" normalizeH="0" baseline="0" smtClean="0">
+              <a:ln>
+                <a:noFill/>
+              </a:ln>
+              <a:solidFill>
+                <a:schemeClr val="tx1"/>
+              </a:solidFill>
+              <a:effectLst/>
+              <a:latin typeface="Times New Roman" pitchFamily="18" charset="0"/>
+            </a:endParaRPr>
+          </a:p>
+        </p:txBody>
+      </p:sp>
+      <p:sp>
+        <p:nvSpPr>
+          <p:cNvPr id="22" name="Rectangle 21"/>
+          <p:cNvSpPr/>
+          <p:nvPr/>
+        </p:nvSpPr>
+        <p:spPr bwMode="auto">
+          <a:xfrm>
+            <a:off x="5358838" y="3655530"/>
+            <a:ext cx="664049" cy="1030769"/>
+          </a:xfrm>
+          <a:prstGeom prst="rect">
+            <a:avLst/>
+          </a:prstGeom>
+          <a:noFill/>
+          <a:ln w="12700" cap="flat" cmpd="sng" algn="ctr">
+            <a:solidFill>
+              <a:schemeClr val="tx2"/>
+            </a:solidFill>
+            <a:prstDash val="solid"/>
+            <a:round/>
+            <a:headEnd type="none" w="lg" len="med"/>
+            <a:tailEnd type="none" w="lg" len="med"/>
+          </a:ln>
+          <a:effectLst/>
+        </p:spPr>
+        <p:txBody>
+          <a:bodyPr vert="horz" wrap="square" lIns="91440" tIns="45720" rIns="91440" bIns="45720" numCol="1" rtlCol="0" anchor="t" anchorCtr="0" compatLnSpc="1">
+            <a:prstTxWarp prst="textNoShape">
+              <a:avLst/>
+            </a:prstTxWarp>
+            <a:noAutofit/>
+          </a:bodyPr>
+          <a:lstStyle/>
+          <a:p>
+            <a:pPr marL="0" marR="0" indent="0" algn="l" defTabSz="914400" rtl="0" eaLnBrk="0" fontAlgn="base" latinLnBrk="0" hangingPunct="0">
+              <a:lnSpc>
+                <a:spcPct val="100000"/>
+              </a:lnSpc>
+              <a:spcBef>
+                <a:spcPct val="50000"/>
+              </a:spcBef>
+              <a:spcAft>
+                <a:spcPct val="0"/>
+              </a:spcAft>
+              <a:buClrTx/>
+              <a:buSzTx/>
+              <a:buFontTx/>
+              <a:buNone/>
+              <a:tabLst/>
+            </a:pPr>
+            <a:endParaRPr kumimoji="0" lang="en-US" sz="2800" b="0" i="0" u="none" strike="noStrike" cap="none" normalizeH="0" baseline="0" smtClean="0">
+              <a:ln>
+                <a:noFill/>
+              </a:ln>
+              <a:solidFill>
+                <a:schemeClr val="tx1"/>
+              </a:solidFill>
+              <a:effectLst/>
+              <a:latin typeface="Times New Roman" pitchFamily="18" charset="0"/>
+            </a:endParaRPr>
+          </a:p>
+        </p:txBody>
+      </p:sp>
+      <p:sp>
+        <p:nvSpPr>
+          <p:cNvPr id="25" name="Oval 24"/>
+          <p:cNvSpPr/>
+          <p:nvPr/>
+        </p:nvSpPr>
+        <p:spPr bwMode="auto">
+          <a:xfrm flipV="1">
+            <a:off x="5458805" y="3718067"/>
+            <a:ext cx="219736" cy="215111"/>
+          </a:xfrm>
+          <a:prstGeom prst="ellipse">
+            <a:avLst/>
+          </a:prstGeom>
+          <a:noFill/>
+          <a:ln w="12700" cap="flat" cmpd="sng" algn="ctr">
+            <a:solidFill>
+              <a:schemeClr val="tx2"/>
+            </a:solidFill>
+            <a:prstDash val="solid"/>
+            <a:round/>
+            <a:headEnd type="none" w="lg" len="med"/>
+            <a:tailEnd type="none" w="lg" len="med"/>
+          </a:ln>
+          <a:effectLst/>
+        </p:spPr>
+        <p:txBody>
+          <a:bodyPr vert="horz" wrap="square" lIns="91440" tIns="45720" rIns="91440" bIns="45720" numCol="1" rtlCol="0" anchor="t" anchorCtr="0" compatLnSpc="1">
+            <a:prstTxWarp prst="textNoShape">
+              <a:avLst/>
+            </a:prstTxWarp>
+            <a:noAutofit/>
+          </a:bodyPr>
+          <a:lstStyle/>
+          <a:p>
+            <a:pPr marL="0" marR="0" indent="0" algn="l" defTabSz="914400" rtl="0" eaLnBrk="0" fontAlgn="base" latinLnBrk="0" hangingPunct="0">
+              <a:lnSpc>
+                <a:spcPct val="100000"/>
+              </a:lnSpc>
+              <a:spcBef>
+                <a:spcPct val="50000"/>
+              </a:spcBef>
+              <a:spcAft>
+                <a:spcPct val="0"/>
+              </a:spcAft>
+              <a:buClrTx/>
+              <a:buSzTx/>
+              <a:buFontTx/>
+              <a:buNone/>
+              <a:tabLst/>
+            </a:pPr>
+            <a:endParaRPr kumimoji="0" lang="en-US" sz="2800" b="0" i="0" u="none" strike="noStrike" cap="none" normalizeH="0" baseline="0" smtClean="0">
+              <a:ln>
+                <a:noFill/>
+              </a:ln>
+              <a:solidFill>
+                <a:schemeClr val="tx1"/>
+              </a:solidFill>
+              <a:effectLst/>
+              <a:latin typeface="Times New Roman" pitchFamily="18" charset="0"/>
+            </a:endParaRPr>
+          </a:p>
+        </p:txBody>
+      </p:sp>
+      <p:sp>
+        <p:nvSpPr>
+          <p:cNvPr id="26" name="Oval 25"/>
+          <p:cNvSpPr/>
+          <p:nvPr/>
+        </p:nvSpPr>
+        <p:spPr bwMode="auto">
+          <a:xfrm flipV="1">
+            <a:off x="5432159" y="4409662"/>
+            <a:ext cx="219736" cy="215111"/>
+          </a:xfrm>
+          <a:prstGeom prst="ellipse">
+            <a:avLst/>
+          </a:prstGeom>
+          <a:noFill/>
+          <a:ln w="12700" cap="flat" cmpd="sng" algn="ctr">
+            <a:solidFill>
+              <a:schemeClr val="tx2"/>
+            </a:solidFill>
+            <a:prstDash val="solid"/>
+            <a:round/>
+            <a:headEnd type="none" w="lg" len="med"/>
+            <a:tailEnd type="none" w="lg" len="med"/>
+          </a:ln>
+          <a:effectLst/>
+        </p:spPr>
+        <p:txBody>
+          <a:bodyPr vert="horz" wrap="square" lIns="91440" tIns="45720" rIns="91440" bIns="45720" numCol="1" rtlCol="0" anchor="t" anchorCtr="0" compatLnSpc="1">
+            <a:prstTxWarp prst="textNoShape">
+              <a:avLst/>
+            </a:prstTxWarp>
+            <a:noAutofit/>
+          </a:bodyPr>
+          <a:lstStyle/>
+          <a:p>
+            <a:pPr marL="0" marR="0" indent="0" algn="l" defTabSz="914400" rtl="0" eaLnBrk="0" fontAlgn="base" latinLnBrk="0" hangingPunct="0">
+              <a:lnSpc>
+                <a:spcPct val="100000"/>
+              </a:lnSpc>
+              <a:spcBef>
+                <a:spcPct val="50000"/>
+              </a:spcBef>
+              <a:spcAft>
+                <a:spcPct val="0"/>
+              </a:spcAft>
+              <a:buClrTx/>
+              <a:buSzTx/>
+              <a:buFontTx/>
+              <a:buNone/>
+              <a:tabLst/>
+            </a:pPr>
+            <a:endParaRPr kumimoji="0" lang="en-US" sz="2800" b="0" i="0" u="none" strike="noStrike" cap="none" normalizeH="0" baseline="0" smtClean="0">
+              <a:ln>
+                <a:noFill/>
+              </a:ln>
+              <a:solidFill>
+                <a:schemeClr val="tx1"/>
+              </a:solidFill>
+              <a:effectLst/>
+              <a:latin typeface="Times New Roman" pitchFamily="18" charset="0"/>
+            </a:endParaRPr>
+          </a:p>
+        </p:txBody>
+      </p:sp>
+      <p:sp>
+        <p:nvSpPr>
+          <p:cNvPr id="27" name="Oval 26"/>
+          <p:cNvSpPr/>
+          <p:nvPr/>
+        </p:nvSpPr>
+        <p:spPr bwMode="auto">
+          <a:xfrm flipV="1">
+            <a:off x="5745757" y="3718067"/>
+            <a:ext cx="219736" cy="215111"/>
+          </a:xfrm>
+          <a:prstGeom prst="ellipse">
+            <a:avLst/>
+          </a:prstGeom>
+          <a:noFill/>
+          <a:ln w="12700" cap="flat" cmpd="sng" algn="ctr">
+            <a:solidFill>
+              <a:schemeClr val="tx2"/>
+            </a:solidFill>
+            <a:prstDash val="solid"/>
+            <a:round/>
+            <a:headEnd type="none" w="lg" len="med"/>
+            <a:tailEnd type="none" w="lg" len="med"/>
+          </a:ln>
+          <a:effectLst/>
+        </p:spPr>
+        <p:txBody>
+          <a:bodyPr vert="horz" wrap="square" lIns="91440" tIns="45720" rIns="91440" bIns="45720" numCol="1" rtlCol="0" anchor="t" anchorCtr="0" compatLnSpc="1">
+            <a:prstTxWarp prst="textNoShape">
+              <a:avLst/>
+            </a:prstTxWarp>
+            <a:noAutofit/>
+          </a:bodyPr>
+          <a:lstStyle/>
+          <a:p>
+            <a:pPr marL="0" marR="0" indent="0" algn="l" defTabSz="914400" rtl="0" eaLnBrk="0" fontAlgn="base" latinLnBrk="0" hangingPunct="0">
+              <a:lnSpc>
+                <a:spcPct val="100000"/>
+              </a:lnSpc>
+              <a:spcBef>
+                <a:spcPct val="50000"/>
+              </a:spcBef>
+              <a:spcAft>
+                <a:spcPct val="0"/>
+              </a:spcAft>
+              <a:buClrTx/>
+              <a:buSzTx/>
+              <a:buFontTx/>
+              <a:buNone/>
+              <a:tabLst/>
+            </a:pPr>
+            <a:endParaRPr kumimoji="0" lang="en-US" sz="2800" b="0" i="0" u="none" strike="noStrike" cap="none" normalizeH="0" baseline="0" smtClean="0">
+              <a:ln>
+                <a:noFill/>
+              </a:ln>
+              <a:solidFill>
+                <a:schemeClr val="tx1"/>
+              </a:solidFill>
+              <a:effectLst/>
+              <a:latin typeface="Times New Roman" pitchFamily="18" charset="0"/>
+            </a:endParaRPr>
+          </a:p>
+        </p:txBody>
+      </p:sp>
+      <p:sp>
+        <p:nvSpPr>
+          <p:cNvPr id="28" name="Oval 27"/>
+          <p:cNvSpPr/>
+          <p:nvPr/>
+        </p:nvSpPr>
+        <p:spPr bwMode="auto">
+          <a:xfrm flipV="1">
+            <a:off x="5712165" y="4387125"/>
+            <a:ext cx="219736" cy="215111"/>
+          </a:xfrm>
+          <a:prstGeom prst="ellipse">
+            <a:avLst/>
+          </a:prstGeom>
+          <a:noFill/>
+          <a:ln w="12700" cap="flat" cmpd="sng" algn="ctr">
+            <a:solidFill>
+              <a:srgbClr val="92D050"/>
+            </a:solidFill>
+            <a:prstDash val="solid"/>
+            <a:round/>
+            <a:headEnd type="none" w="lg" len="med"/>
+            <a:tailEnd type="none" w="lg" len="med"/>
+          </a:ln>
+          <a:effectLst/>
+        </p:spPr>
+        <p:txBody>
+          <a:bodyPr vert="horz" wrap="square" lIns="91440" tIns="45720" rIns="91440" bIns="45720" numCol="1" rtlCol="0" anchor="t" anchorCtr="0" compatLnSpc="1">
+            <a:prstTxWarp prst="textNoShape">
+              <a:avLst/>
+            </a:prstTxWarp>
+            <a:noAutofit/>
+          </a:bodyPr>
+          <a:lstStyle/>
+          <a:p>
+            <a:pPr marL="0" marR="0" indent="0" algn="l" defTabSz="914400" rtl="0" eaLnBrk="0" fontAlgn="base" latinLnBrk="0" hangingPunct="0">
+              <a:lnSpc>
+                <a:spcPct val="100000"/>
+              </a:lnSpc>
+              <a:spcBef>
+                <a:spcPct val="50000"/>
+              </a:spcBef>
+              <a:spcAft>
+                <a:spcPct val="0"/>
+              </a:spcAft>
+              <a:buClrTx/>
+              <a:buSzTx/>
+              <a:buFontTx/>
+              <a:buNone/>
+              <a:tabLst/>
+            </a:pPr>
+            <a:endParaRPr kumimoji="0" lang="en-US" sz="2800" b="0" i="0" u="none" strike="noStrike" cap="none" normalizeH="0" baseline="0" smtClean="0">
+              <a:ln>
+                <a:noFill/>
+              </a:ln>
+              <a:solidFill>
+                <a:schemeClr val="tx1"/>
+              </a:solidFill>
+              <a:effectLst/>
+              <a:latin typeface="Times New Roman" pitchFamily="18" charset="0"/>
+            </a:endParaRPr>
+          </a:p>
+        </p:txBody>
+      </p:sp>
+      <p:sp>
+        <p:nvSpPr>
+          <p:cNvPr id="30" name="Rectangle 29"/>
+          <p:cNvSpPr/>
+          <p:nvPr/>
+        </p:nvSpPr>
+        <p:spPr bwMode="auto">
+          <a:xfrm>
+            <a:off x="4425702" y="4405773"/>
+            <a:ext cx="473529" cy="1110239"/>
+          </a:xfrm>
+          <a:prstGeom prst="rect">
+            <a:avLst/>
+          </a:prstGeom>
+          <a:noFill/>
+          <a:ln w="12700" cap="flat" cmpd="sng" algn="ctr">
+            <a:solidFill>
+              <a:schemeClr val="accent1"/>
+            </a:solidFill>
+            <a:prstDash val="solid"/>
+            <a:round/>
+            <a:headEnd type="none" w="lg" len="med"/>
+            <a:tailEnd type="none" w="lg" len="med"/>
+          </a:ln>
+          <a:effectLst/>
+        </p:spPr>
+        <p:txBody>
+          <a:bodyPr vert="horz" wrap="square" lIns="91440" tIns="45720" rIns="91440" bIns="45720" numCol="1" rtlCol="0" anchor="t" anchorCtr="0" compatLnSpc="1">
+            <a:prstTxWarp prst="textNoShape">
+              <a:avLst/>
+            </a:prstTxWarp>
+            <a:noAutofit/>
+          </a:bodyPr>
+          <a:lstStyle/>
+          <a:p>
+            <a:pPr marL="0" marR="0" indent="0" algn="l" defTabSz="914400" rtl="0" eaLnBrk="0" fontAlgn="base" latinLnBrk="0" hangingPunct="0">
+              <a:lnSpc>
+                <a:spcPct val="100000"/>
+              </a:lnSpc>
+              <a:spcBef>
+                <a:spcPct val="50000"/>
+              </a:spcBef>
+              <a:spcAft>
+                <a:spcPct val="0"/>
+              </a:spcAft>
+              <a:buClrTx/>
+              <a:buSzTx/>
+              <a:buFontTx/>
+              <a:buNone/>
+              <a:tabLst/>
+            </a:pPr>
+            <a:endParaRPr kumimoji="0" lang="en-US" sz="2800" b="0" i="0" u="none" strike="noStrike" cap="none" normalizeH="0" baseline="0" smtClean="0">
+              <a:ln>
+                <a:noFill/>
+              </a:ln>
+              <a:solidFill>
+                <a:schemeClr val="tx1"/>
+              </a:solidFill>
+              <a:effectLst/>
+              <a:latin typeface="Times New Roman" pitchFamily="18" charset="0"/>
+            </a:endParaRPr>
+          </a:p>
+        </p:txBody>
+      </p:sp>
+      <p:sp>
+        <p:nvSpPr>
+          <p:cNvPr id="31" name="Rectangle 30"/>
+          <p:cNvSpPr/>
+          <p:nvPr/>
+        </p:nvSpPr>
+        <p:spPr bwMode="auto">
+          <a:xfrm>
+            <a:off x="7383117" y="1953157"/>
+            <a:ext cx="370593" cy="4586632"/>
+          </a:xfrm>
+          <a:prstGeom prst="rect">
+            <a:avLst/>
+          </a:prstGeom>
+          <a:noFill/>
+          <a:ln w="12700" cap="flat" cmpd="sng" algn="ctr">
+            <a:solidFill>
+              <a:schemeClr val="accent1"/>
+            </a:solidFill>
+            <a:prstDash val="solid"/>
+            <a:round/>
+            <a:headEnd type="none" w="lg" len="med"/>
+            <a:tailEnd type="none" w="lg" len="med"/>
+          </a:ln>
+          <a:effectLst/>
+        </p:spPr>
+        <p:txBody>
+          <a:bodyPr vert="horz" wrap="square" lIns="91440" tIns="45720" rIns="91440" bIns="45720" numCol="1" rtlCol="0" anchor="t" anchorCtr="0" compatLnSpc="1">
+            <a:prstTxWarp prst="textNoShape">
+              <a:avLst/>
+            </a:prstTxWarp>
+            <a:noAutofit/>
+          </a:bodyPr>
+          <a:lstStyle/>
+          <a:p>
+            <a:pPr marL="0" marR="0" indent="0" algn="l" defTabSz="914400" rtl="0" eaLnBrk="0" fontAlgn="base" latinLnBrk="0" hangingPunct="0">
+              <a:lnSpc>
+                <a:spcPct val="100000"/>
+              </a:lnSpc>
+              <a:spcBef>
+                <a:spcPct val="50000"/>
+              </a:spcBef>
+              <a:spcAft>
+                <a:spcPct val="0"/>
+              </a:spcAft>
+              <a:buClrTx/>
+              <a:buSzTx/>
+              <a:buFontTx/>
+              <a:buNone/>
+              <a:tabLst/>
+            </a:pPr>
+            <a:endParaRPr kumimoji="0" lang="en-US" sz="2800" b="0" i="0" u="none" strike="noStrike" cap="none" normalizeH="0" baseline="0" smtClean="0">
+              <a:ln>
+                <a:noFill/>
+              </a:ln>
+              <a:solidFill>
+                <a:schemeClr val="tx1"/>
+              </a:solidFill>
+              <a:effectLst/>
+              <a:latin typeface="Times New Roman" pitchFamily="18" charset="0"/>
+            </a:endParaRPr>
+          </a:p>
+        </p:txBody>
+      </p:sp>
+      <p:sp>
+        <p:nvSpPr>
+          <p:cNvPr id="33" name="Rectangle 32"/>
+          <p:cNvSpPr/>
+          <p:nvPr/>
+        </p:nvSpPr>
+        <p:spPr bwMode="auto">
+          <a:xfrm>
+            <a:off x="4953740" y="4825388"/>
+            <a:ext cx="2416543" cy="297455"/>
+          </a:xfrm>
+          <a:prstGeom prst="rect">
+            <a:avLst/>
+          </a:prstGeom>
+          <a:noFill/>
+          <a:ln w="12700" cap="flat" cmpd="sng" algn="ctr">
+            <a:solidFill>
+              <a:schemeClr val="accent1"/>
+            </a:solidFill>
+            <a:prstDash val="solid"/>
+            <a:round/>
+            <a:headEnd type="none" w="lg" len="med"/>
+            <a:tailEnd type="none" w="lg" len="med"/>
+          </a:ln>
+          <a:effectLst/>
+        </p:spPr>
+        <p:txBody>
+          <a:bodyPr vert="horz" wrap="square" lIns="91440" tIns="45720" rIns="91440" bIns="45720" numCol="1" rtlCol="0" anchor="t" anchorCtr="0" compatLnSpc="1">
+            <a:prstTxWarp prst="textNoShape">
+              <a:avLst/>
+            </a:prstTxWarp>
+            <a:noAutofit/>
+          </a:bodyPr>
+          <a:lstStyle/>
+          <a:p>
+            <a:pPr marL="0" marR="0" indent="0" algn="l" defTabSz="914400" rtl="0" eaLnBrk="0" fontAlgn="base" latinLnBrk="0" hangingPunct="0">
+              <a:lnSpc>
+                <a:spcPct val="100000"/>
+              </a:lnSpc>
+              <a:spcBef>
+                <a:spcPct val="50000"/>
+              </a:spcBef>
+              <a:spcAft>
+                <a:spcPct val="0"/>
+              </a:spcAft>
+              <a:buClrTx/>
+              <a:buSzTx/>
+              <a:buFontTx/>
+              <a:buNone/>
+              <a:tabLst/>
+            </a:pPr>
+            <a:endParaRPr kumimoji="0" lang="en-US" sz="2800" b="0" i="0" u="none" strike="noStrike" cap="none" normalizeH="0" baseline="0" smtClean="0">
+              <a:ln>
+                <a:noFill/>
+              </a:ln>
+              <a:solidFill>
+                <a:schemeClr val="tx1"/>
+              </a:solidFill>
+              <a:effectLst/>
+              <a:latin typeface="Times New Roman" pitchFamily="18" charset="0"/>
+            </a:endParaRPr>
+          </a:p>
+        </p:txBody>
+      </p:sp>
+      <p:grpSp>
+        <p:nvGrpSpPr>
+          <p:cNvPr id="2" name="Group 40"/>
+          <p:cNvGrpSpPr/>
+          <p:nvPr/>
+        </p:nvGrpSpPr>
+        <p:grpSpPr>
+          <a:xfrm flipV="1">
+            <a:off x="1597404" y="5054733"/>
+            <a:ext cx="2683873" cy="1173539"/>
+            <a:chOff x="2057777" y="4912112"/>
+            <a:chExt cx="3890405" cy="1701103"/>
+          </a:xfrm>
+        </p:grpSpPr>
+        <p:sp>
+          <p:nvSpPr>
+            <p:cNvPr id="38" name="Rectangle 37"/>
+            <p:cNvSpPr/>
+            <p:nvPr/>
+          </p:nvSpPr>
+          <p:spPr bwMode="auto">
+            <a:xfrm>
+              <a:off x="2057777" y="5259107"/>
+              <a:ext cx="3887340" cy="1354108"/>
+            </a:xfrm>
+            <a:prstGeom prst="rect">
+              <a:avLst/>
+            </a:prstGeom>
+            <a:noFill/>
+            <a:ln w="12700" cap="flat" cmpd="sng" algn="ctr">
+              <a:solidFill>
+                <a:schemeClr val="tx2"/>
+              </a:solidFill>
+              <a:prstDash val="solid"/>
+              <a:round/>
+              <a:headEnd type="none" w="lg" len="med"/>
+              <a:tailEnd type="none" w="lg" len="med"/>
+            </a:ln>
+            <a:effectLst/>
+          </p:spPr>
+          <p:txBody>
+            <a:bodyPr vert="horz" wrap="square" lIns="91440" tIns="45720" rIns="91440" bIns="45720" numCol="1" rtlCol="0" anchor="t" anchorCtr="0" compatLnSpc="1">
+              <a:prstTxWarp prst="textNoShape">
+                <a:avLst/>
+              </a:prstTxWarp>
+              <a:noAutofit/>
+            </a:bodyPr>
+            <a:lstStyle/>
+            <a:p>
+              <a:pPr marL="0" marR="0" indent="0" algn="l" defTabSz="914400" rtl="0" eaLnBrk="0" fontAlgn="base" latinLnBrk="0" hangingPunct="0">
+                <a:lnSpc>
+                  <a:spcPct val="100000"/>
+                </a:lnSpc>
+                <a:spcBef>
+                  <a:spcPct val="50000"/>
+                </a:spcBef>
+                <a:spcAft>
+                  <a:spcPct val="0"/>
+                </a:spcAft>
+                <a:buClrTx/>
+                <a:buSzTx/>
+                <a:buFontTx/>
+                <a:buNone/>
+                <a:tabLst/>
+              </a:pPr>
+              <a:endParaRPr kumimoji="0" lang="en-US" sz="2800" b="0" i="0" u="none" strike="noStrike" cap="none" normalizeH="0" baseline="0" smtClean="0">
+                <a:ln>
+                  <a:noFill/>
+                </a:ln>
+                <a:solidFill>
+                  <a:schemeClr val="tx1"/>
+                </a:solidFill>
+                <a:effectLst/>
+                <a:latin typeface="Times New Roman" pitchFamily="18" charset="0"/>
+              </a:endParaRPr>
+            </a:p>
+          </p:txBody>
+        </p:sp>
+        <p:sp>
+          <p:nvSpPr>
+            <p:cNvPr id="39" name="Rectangle 38"/>
+            <p:cNvSpPr/>
+            <p:nvPr/>
+          </p:nvSpPr>
+          <p:spPr bwMode="auto">
+            <a:xfrm>
+              <a:off x="2060842" y="4912112"/>
+              <a:ext cx="3887340" cy="346981"/>
+            </a:xfrm>
+            <a:prstGeom prst="rect">
+              <a:avLst/>
+            </a:prstGeom>
+            <a:noFill/>
+            <a:ln w="12700" cap="flat" cmpd="sng" algn="ctr">
+              <a:solidFill>
+                <a:schemeClr val="tx2"/>
+              </a:solidFill>
+              <a:prstDash val="solid"/>
+              <a:round/>
+              <a:headEnd type="none" w="lg" len="med"/>
+              <a:tailEnd type="none" w="lg" len="med"/>
+            </a:ln>
+            <a:effectLst/>
+          </p:spPr>
+          <p:txBody>
+            <a:bodyPr vert="horz" wrap="square" lIns="91440" tIns="45720" rIns="91440" bIns="45720" numCol="1" rtlCol="0" anchor="t" anchorCtr="0" compatLnSpc="1">
+              <a:prstTxWarp prst="textNoShape">
+                <a:avLst/>
+              </a:prstTxWarp>
+              <a:noAutofit/>
+            </a:bodyPr>
+            <a:lstStyle/>
+            <a:p>
+              <a:pPr marL="0" marR="0" indent="0" algn="l" defTabSz="914400" rtl="0" eaLnBrk="0" fontAlgn="base" latinLnBrk="0" hangingPunct="0">
+                <a:lnSpc>
+                  <a:spcPct val="100000"/>
+                </a:lnSpc>
+                <a:spcBef>
+                  <a:spcPct val="50000"/>
+                </a:spcBef>
+                <a:spcAft>
+                  <a:spcPct val="0"/>
+                </a:spcAft>
+                <a:buClrTx/>
+                <a:buSzTx/>
+                <a:buFontTx/>
+                <a:buNone/>
+                <a:tabLst/>
+              </a:pPr>
+              <a:endParaRPr kumimoji="0" lang="en-US" sz="2800" b="0" i="0" u="none" strike="noStrike" cap="none" normalizeH="0" baseline="0" smtClean="0">
+                <a:ln>
+                  <a:noFill/>
+                </a:ln>
+                <a:solidFill>
+                  <a:schemeClr val="tx1"/>
+                </a:solidFill>
+                <a:effectLst/>
+                <a:latin typeface="Times New Roman" pitchFamily="18" charset="0"/>
+              </a:endParaRPr>
+            </a:p>
+          </p:txBody>
+        </p:sp>
+        <p:sp>
+          <p:nvSpPr>
+            <p:cNvPr id="40" name="Oval 39"/>
+            <p:cNvSpPr/>
+            <p:nvPr/>
+          </p:nvSpPr>
+          <p:spPr bwMode="auto">
+            <a:xfrm>
+              <a:off x="5248067" y="6032031"/>
+              <a:ext cx="555777" cy="544076"/>
+            </a:xfrm>
+            <a:prstGeom prst="ellipse">
+              <a:avLst/>
+            </a:prstGeom>
+            <a:noFill/>
+            <a:ln w="12700" cap="flat" cmpd="sng" algn="ctr">
+              <a:solidFill>
+                <a:schemeClr val="tx2"/>
+              </a:solidFill>
+              <a:prstDash val="solid"/>
+              <a:round/>
+              <a:headEnd type="none" w="lg" len="med"/>
+              <a:tailEnd type="none" w="lg" len="med"/>
+            </a:ln>
+            <a:effectLst/>
+          </p:spPr>
+          <p:txBody>
+            <a:bodyPr vert="horz" wrap="square" lIns="91440" tIns="45720" rIns="91440" bIns="45720" numCol="1" rtlCol="0" anchor="t" anchorCtr="0" compatLnSpc="1">
+              <a:prstTxWarp prst="textNoShape">
+                <a:avLst/>
+              </a:prstTxWarp>
+              <a:noAutofit/>
+            </a:bodyPr>
+            <a:lstStyle/>
+            <a:p>
+              <a:pPr marL="0" marR="0" indent="0" algn="l" defTabSz="914400" rtl="0" eaLnBrk="0" fontAlgn="base" latinLnBrk="0" hangingPunct="0">
+                <a:lnSpc>
+                  <a:spcPct val="100000"/>
+                </a:lnSpc>
+                <a:spcBef>
+                  <a:spcPct val="50000"/>
+                </a:spcBef>
+                <a:spcAft>
+                  <a:spcPct val="0"/>
+                </a:spcAft>
+                <a:buClrTx/>
+                <a:buSzTx/>
+                <a:buFontTx/>
+                <a:buNone/>
+                <a:tabLst/>
+              </a:pPr>
+              <a:endParaRPr kumimoji="0" lang="en-US" sz="2800" b="0" i="0" u="none" strike="noStrike" cap="none" normalizeH="0" baseline="0" smtClean="0">
+                <a:ln>
+                  <a:noFill/>
+                </a:ln>
+                <a:solidFill>
+                  <a:schemeClr val="tx1"/>
+                </a:solidFill>
+                <a:effectLst/>
+                <a:latin typeface="Times New Roman" pitchFamily="18" charset="0"/>
+              </a:endParaRPr>
+            </a:p>
+          </p:txBody>
+        </p:sp>
+      </p:grpSp>
+      <p:sp>
+        <p:nvSpPr>
+          <p:cNvPr id="47" name="Rectangle 46"/>
+          <p:cNvSpPr/>
+          <p:nvPr/>
+        </p:nvSpPr>
+        <p:spPr bwMode="auto">
+          <a:xfrm flipV="1">
+            <a:off x="6219172" y="5241470"/>
+            <a:ext cx="731577" cy="1025645"/>
+          </a:xfrm>
+          <a:prstGeom prst="rect">
+            <a:avLst/>
+          </a:prstGeom>
+          <a:noFill/>
+          <a:ln w="12700" cap="flat" cmpd="sng" algn="ctr">
+            <a:solidFill>
+              <a:schemeClr val="tx2"/>
+            </a:solidFill>
+            <a:prstDash val="solid"/>
+            <a:round/>
+            <a:headEnd type="none" w="lg" len="med"/>
+            <a:tailEnd type="none" w="lg" len="med"/>
+          </a:ln>
+          <a:effectLst/>
+        </p:spPr>
+        <p:txBody>
+          <a:bodyPr vert="horz" wrap="square" lIns="91440" tIns="45720" rIns="91440" bIns="45720" numCol="1" rtlCol="0" anchor="t" anchorCtr="0" compatLnSpc="1">
+            <a:prstTxWarp prst="textNoShape">
+              <a:avLst/>
+            </a:prstTxWarp>
+            <a:noAutofit/>
+          </a:bodyPr>
+          <a:lstStyle/>
+          <a:p>
+            <a:pPr marL="0" marR="0" indent="0" algn="l" defTabSz="914400" rtl="0" eaLnBrk="0" fontAlgn="base" latinLnBrk="0" hangingPunct="0">
+              <a:lnSpc>
+                <a:spcPct val="100000"/>
+              </a:lnSpc>
+              <a:spcBef>
+                <a:spcPct val="50000"/>
+              </a:spcBef>
+              <a:spcAft>
+                <a:spcPct val="0"/>
+              </a:spcAft>
+              <a:buClrTx/>
+              <a:buSzTx/>
+              <a:buFontTx/>
+              <a:buNone/>
+              <a:tabLst/>
+            </a:pPr>
+            <a:endParaRPr kumimoji="0" lang="en-US" sz="2800" b="0" i="0" u="none" strike="noStrike" cap="none" normalizeH="0" baseline="0" smtClean="0">
+              <a:ln>
+                <a:noFill/>
+              </a:ln>
+              <a:solidFill>
+                <a:schemeClr val="tx1"/>
+              </a:solidFill>
+              <a:effectLst/>
+              <a:latin typeface="Times New Roman" pitchFamily="18" charset="0"/>
+            </a:endParaRPr>
+          </a:p>
+        </p:txBody>
+      </p:sp>
+      <p:sp>
+        <p:nvSpPr>
+          <p:cNvPr id="49" name="Oval 48"/>
+          <p:cNvSpPr/>
+          <p:nvPr/>
+        </p:nvSpPr>
+        <p:spPr bwMode="auto">
+          <a:xfrm>
+            <a:off x="6631858" y="5970885"/>
+            <a:ext cx="265296" cy="259711"/>
+          </a:xfrm>
+          <a:prstGeom prst="ellipse">
+            <a:avLst/>
+          </a:prstGeom>
+          <a:noFill/>
+          <a:ln w="12700" cap="flat" cmpd="sng" algn="ctr">
+            <a:solidFill>
+              <a:schemeClr val="tx2"/>
+            </a:solidFill>
+            <a:prstDash val="solid"/>
+            <a:round/>
+            <a:headEnd type="none" w="lg" len="med"/>
+            <a:tailEnd type="none" w="lg" len="med"/>
+          </a:ln>
+          <a:effectLst/>
+        </p:spPr>
+        <p:txBody>
+          <a:bodyPr vert="horz" wrap="square" lIns="91440" tIns="45720" rIns="91440" bIns="45720" numCol="1" rtlCol="0" anchor="t" anchorCtr="0" compatLnSpc="1">
+            <a:prstTxWarp prst="textNoShape">
+              <a:avLst/>
+            </a:prstTxWarp>
+            <a:noAutofit/>
+          </a:bodyPr>
+          <a:lstStyle/>
+          <a:p>
+            <a:pPr marL="0" marR="0" indent="0" algn="l" defTabSz="914400" rtl="0" eaLnBrk="0" fontAlgn="base" latinLnBrk="0" hangingPunct="0">
+              <a:lnSpc>
+                <a:spcPct val="100000"/>
+              </a:lnSpc>
+              <a:spcBef>
+                <a:spcPct val="50000"/>
+              </a:spcBef>
+              <a:spcAft>
+                <a:spcPct val="0"/>
+              </a:spcAft>
+              <a:buClrTx/>
+              <a:buSzTx/>
+              <a:buFontTx/>
+              <a:buNone/>
+              <a:tabLst/>
+            </a:pPr>
+            <a:endParaRPr kumimoji="0" lang="en-US" sz="2800" b="0" i="0" u="none" strike="noStrike" cap="none" normalizeH="0" baseline="0" smtClean="0">
+              <a:ln>
+                <a:noFill/>
+              </a:ln>
+              <a:solidFill>
+                <a:schemeClr val="tx1"/>
+              </a:solidFill>
+              <a:effectLst/>
+              <a:latin typeface="Times New Roman" pitchFamily="18" charset="0"/>
+            </a:endParaRPr>
+          </a:p>
+        </p:txBody>
+      </p:sp>
+      <p:sp>
+        <p:nvSpPr>
+          <p:cNvPr id="50" name="Oval 49"/>
+          <p:cNvSpPr/>
+          <p:nvPr/>
+        </p:nvSpPr>
+        <p:spPr bwMode="auto">
+          <a:xfrm>
+            <a:off x="6312949" y="5969922"/>
+            <a:ext cx="219737" cy="215111"/>
+          </a:xfrm>
+          <a:prstGeom prst="ellipse">
+            <a:avLst/>
+          </a:prstGeom>
+          <a:noFill/>
+          <a:ln w="12700" cap="flat" cmpd="sng" algn="ctr">
+            <a:solidFill>
+              <a:schemeClr val="tx2"/>
+            </a:solidFill>
+            <a:prstDash val="solid"/>
+            <a:round/>
+            <a:headEnd type="none" w="lg" len="med"/>
+            <a:tailEnd type="none" w="lg" len="med"/>
+          </a:ln>
+          <a:effectLst/>
+        </p:spPr>
+        <p:txBody>
+          <a:bodyPr vert="horz" wrap="square" lIns="91440" tIns="45720" rIns="91440" bIns="45720" numCol="1" rtlCol="0" anchor="t" anchorCtr="0" compatLnSpc="1">
+            <a:prstTxWarp prst="textNoShape">
+              <a:avLst/>
+            </a:prstTxWarp>
+            <a:noAutofit/>
+          </a:bodyPr>
+          <a:lstStyle/>
+          <a:p>
+            <a:pPr marL="0" marR="0" indent="0" algn="l" defTabSz="914400" rtl="0" eaLnBrk="0" fontAlgn="base" latinLnBrk="0" hangingPunct="0">
+              <a:lnSpc>
+                <a:spcPct val="100000"/>
+              </a:lnSpc>
+              <a:spcBef>
+                <a:spcPct val="50000"/>
+              </a:spcBef>
+              <a:spcAft>
+                <a:spcPct val="0"/>
+              </a:spcAft>
+              <a:buClrTx/>
+              <a:buSzTx/>
+              <a:buFontTx/>
+              <a:buNone/>
+              <a:tabLst/>
+            </a:pPr>
+            <a:endParaRPr kumimoji="0" lang="en-US" sz="2800" b="0" i="0" u="none" strike="noStrike" cap="none" normalizeH="0" baseline="0" smtClean="0">
+              <a:ln>
+                <a:noFill/>
+              </a:ln>
+              <a:solidFill>
+                <a:schemeClr val="tx1"/>
+              </a:solidFill>
+              <a:effectLst/>
+              <a:latin typeface="Times New Roman" pitchFamily="18" charset="0"/>
+            </a:endParaRPr>
+          </a:p>
+        </p:txBody>
+      </p:sp>
+      <p:sp>
+        <p:nvSpPr>
+          <p:cNvPr id="51" name="Oval 50"/>
+          <p:cNvSpPr/>
+          <p:nvPr/>
+        </p:nvSpPr>
+        <p:spPr bwMode="auto">
+          <a:xfrm>
+            <a:off x="6299295" y="5438243"/>
+            <a:ext cx="219737" cy="215111"/>
+          </a:xfrm>
+          <a:prstGeom prst="ellipse">
+            <a:avLst/>
+          </a:prstGeom>
+          <a:noFill/>
+          <a:ln w="12700" cap="flat" cmpd="sng" algn="ctr">
+            <a:solidFill>
+              <a:schemeClr val="tx2"/>
+            </a:solidFill>
+            <a:prstDash val="solid"/>
+            <a:round/>
+            <a:headEnd type="none" w="lg" len="med"/>
+            <a:tailEnd type="none" w="lg" len="med"/>
+          </a:ln>
+          <a:effectLst/>
+        </p:spPr>
+        <p:txBody>
+          <a:bodyPr vert="horz" wrap="square" lIns="91440" tIns="45720" rIns="91440" bIns="45720" numCol="1" rtlCol="0" anchor="t" anchorCtr="0" compatLnSpc="1">
+            <a:prstTxWarp prst="textNoShape">
+              <a:avLst/>
+            </a:prstTxWarp>
+            <a:noAutofit/>
+          </a:bodyPr>
+          <a:lstStyle/>
+          <a:p>
+            <a:pPr marL="0" marR="0" indent="0" algn="l" defTabSz="914400" rtl="0" eaLnBrk="0" fontAlgn="base" latinLnBrk="0" hangingPunct="0">
+              <a:lnSpc>
+                <a:spcPct val="100000"/>
+              </a:lnSpc>
+              <a:spcBef>
+                <a:spcPct val="50000"/>
+              </a:spcBef>
+              <a:spcAft>
+                <a:spcPct val="0"/>
+              </a:spcAft>
+              <a:buClrTx/>
+              <a:buSzTx/>
+              <a:buFontTx/>
+              <a:buNone/>
+              <a:tabLst/>
+            </a:pPr>
+            <a:endParaRPr kumimoji="0" lang="en-US" sz="2800" b="0" i="0" u="none" strike="noStrike" cap="none" normalizeH="0" baseline="0" smtClean="0">
+              <a:ln>
+                <a:noFill/>
+              </a:ln>
+              <a:solidFill>
+                <a:schemeClr val="tx1"/>
+              </a:solidFill>
+              <a:effectLst/>
+              <a:latin typeface="Times New Roman" pitchFamily="18" charset="0"/>
+            </a:endParaRPr>
+          </a:p>
+        </p:txBody>
+      </p:sp>
+      <p:sp>
+        <p:nvSpPr>
+          <p:cNvPr id="52" name="Oval 51"/>
+          <p:cNvSpPr/>
+          <p:nvPr/>
+        </p:nvSpPr>
+        <p:spPr bwMode="auto">
+          <a:xfrm>
+            <a:off x="6639883" y="5440918"/>
+            <a:ext cx="219737" cy="215111"/>
+          </a:xfrm>
+          <a:prstGeom prst="ellipse">
+            <a:avLst/>
+          </a:prstGeom>
+          <a:noFill/>
+          <a:ln w="12700" cap="flat" cmpd="sng" algn="ctr">
+            <a:solidFill>
+              <a:schemeClr val="tx2"/>
+            </a:solidFill>
+            <a:prstDash val="solid"/>
+            <a:round/>
+            <a:headEnd type="none" w="lg" len="med"/>
+            <a:tailEnd type="none" w="lg" len="med"/>
+          </a:ln>
+          <a:effectLst/>
+        </p:spPr>
+        <p:txBody>
+          <a:bodyPr vert="horz" wrap="square" lIns="91440" tIns="45720" rIns="91440" bIns="45720" numCol="1" rtlCol="0" anchor="t" anchorCtr="0" compatLnSpc="1">
+            <a:prstTxWarp prst="textNoShape">
+              <a:avLst/>
+            </a:prstTxWarp>
+            <a:noAutofit/>
+          </a:bodyPr>
+          <a:lstStyle/>
+          <a:p>
+            <a:pPr marL="0" marR="0" indent="0" algn="l" defTabSz="914400" rtl="0" eaLnBrk="0" fontAlgn="base" latinLnBrk="0" hangingPunct="0">
+              <a:lnSpc>
+                <a:spcPct val="100000"/>
+              </a:lnSpc>
+              <a:spcBef>
+                <a:spcPct val="50000"/>
+              </a:spcBef>
+              <a:spcAft>
+                <a:spcPct val="0"/>
+              </a:spcAft>
+              <a:buClrTx/>
+              <a:buSzTx/>
+              <a:buFontTx/>
+              <a:buNone/>
+              <a:tabLst/>
+            </a:pPr>
+            <a:endParaRPr kumimoji="0" lang="en-US" sz="2800" b="0" i="0" u="none" strike="noStrike" cap="none" normalizeH="0" baseline="0" smtClean="0">
+              <a:ln>
+                <a:noFill/>
+              </a:ln>
+              <a:solidFill>
+                <a:schemeClr val="tx1"/>
+              </a:solidFill>
+              <a:effectLst/>
+              <a:latin typeface="Times New Roman" pitchFamily="18" charset="0"/>
+            </a:endParaRPr>
+          </a:p>
+        </p:txBody>
+      </p:sp>
+      <p:sp>
+        <p:nvSpPr>
+          <p:cNvPr id="45" name="Oval 44"/>
+          <p:cNvSpPr/>
+          <p:nvPr/>
+        </p:nvSpPr>
+        <p:spPr bwMode="auto">
+          <a:xfrm flipV="1">
+            <a:off x="4482405" y="5060646"/>
+            <a:ext cx="383414" cy="375341"/>
+          </a:xfrm>
+          <a:prstGeom prst="ellipse">
+            <a:avLst/>
+          </a:prstGeom>
+          <a:noFill/>
+          <a:ln w="12700" cap="flat" cmpd="sng" algn="ctr">
+            <a:solidFill>
+              <a:schemeClr val="tx2"/>
+            </a:solidFill>
+            <a:prstDash val="solid"/>
+            <a:round/>
+            <a:headEnd type="none" w="lg" len="med"/>
+            <a:tailEnd type="none" w="lg" len="med"/>
+          </a:ln>
+          <a:effectLst/>
+        </p:spPr>
+        <p:txBody>
+          <a:bodyPr vert="horz" wrap="square" lIns="91440" tIns="45720" rIns="91440" bIns="45720" numCol="1" rtlCol="0" anchor="t" anchorCtr="0" compatLnSpc="1">
+            <a:prstTxWarp prst="textNoShape">
+              <a:avLst/>
+            </a:prstTxWarp>
+            <a:noAutofit/>
+          </a:bodyPr>
+          <a:lstStyle/>
+          <a:p>
+            <a:pPr marL="0" marR="0" indent="0" algn="l" defTabSz="914400" rtl="0" eaLnBrk="0" fontAlgn="base" latinLnBrk="0" hangingPunct="0">
+              <a:lnSpc>
+                <a:spcPct val="100000"/>
+              </a:lnSpc>
+              <a:spcBef>
+                <a:spcPct val="50000"/>
+              </a:spcBef>
+              <a:spcAft>
+                <a:spcPct val="0"/>
+              </a:spcAft>
+              <a:buClrTx/>
+              <a:buSzTx/>
+              <a:buFontTx/>
+              <a:buNone/>
+              <a:tabLst/>
+            </a:pPr>
+            <a:endParaRPr kumimoji="0" lang="en-US" sz="2800" b="0" i="0" u="none" strike="noStrike" cap="none" normalizeH="0" baseline="0" smtClean="0">
+              <a:ln>
+                <a:noFill/>
+              </a:ln>
+              <a:solidFill>
+                <a:schemeClr val="tx1"/>
+              </a:solidFill>
+              <a:effectLst/>
+              <a:latin typeface="Times New Roman" pitchFamily="18" charset="0"/>
+            </a:endParaRPr>
+          </a:p>
+        </p:txBody>
+      </p:sp>
+      <p:sp>
+        <p:nvSpPr>
+          <p:cNvPr id="44" name="Oval 43"/>
+          <p:cNvSpPr/>
+          <p:nvPr/>
+        </p:nvSpPr>
+        <p:spPr bwMode="auto">
+          <a:xfrm>
+            <a:off x="6556580" y="4872287"/>
+            <a:ext cx="182689" cy="178843"/>
+          </a:xfrm>
+          <a:prstGeom prst="ellipse">
+            <a:avLst/>
+          </a:prstGeom>
+          <a:noFill/>
+          <a:ln w="12700" cap="flat" cmpd="sng" algn="ctr">
+            <a:solidFill>
+              <a:srgbClr val="92D050"/>
+            </a:solidFill>
+            <a:prstDash val="solid"/>
+            <a:round/>
+            <a:headEnd type="none" w="lg" len="med"/>
+            <a:tailEnd type="none" w="lg" len="med"/>
+          </a:ln>
+          <a:effectLst/>
+        </p:spPr>
+        <p:txBody>
+          <a:bodyPr vert="horz" wrap="square" lIns="91440" tIns="45720" rIns="91440" bIns="45720" numCol="1" rtlCol="0" anchor="t" anchorCtr="0" compatLnSpc="1">
+            <a:prstTxWarp prst="textNoShape">
+              <a:avLst/>
+            </a:prstTxWarp>
+            <a:noAutofit/>
+          </a:bodyPr>
+          <a:lstStyle/>
+          <a:p>
+            <a:pPr marL="0" marR="0" indent="0" algn="l" defTabSz="914400" rtl="0" eaLnBrk="0" fontAlgn="base" latinLnBrk="0" hangingPunct="0">
+              <a:lnSpc>
+                <a:spcPct val="100000"/>
+              </a:lnSpc>
+              <a:spcBef>
+                <a:spcPct val="50000"/>
+              </a:spcBef>
+              <a:spcAft>
+                <a:spcPct val="0"/>
+              </a:spcAft>
+              <a:buClrTx/>
+              <a:buSzTx/>
+              <a:buFontTx/>
+              <a:buNone/>
+              <a:tabLst/>
+            </a:pPr>
+            <a:endParaRPr kumimoji="0" lang="en-US" sz="2800" b="0" i="0" u="none" strike="noStrike" cap="none" normalizeH="0" baseline="0" smtClean="0">
+              <a:ln>
+                <a:noFill/>
+              </a:ln>
+              <a:solidFill>
+                <a:schemeClr val="tx1"/>
+              </a:solidFill>
+              <a:effectLst/>
+              <a:latin typeface="Times New Roman" pitchFamily="18" charset="0"/>
+            </a:endParaRPr>
+          </a:p>
+        </p:txBody>
+      </p:sp>
+      <p:sp>
+        <p:nvSpPr>
+          <p:cNvPr id="53" name="Rectangle 52"/>
+          <p:cNvSpPr/>
+          <p:nvPr/>
+        </p:nvSpPr>
+        <p:spPr bwMode="auto">
+          <a:xfrm>
+            <a:off x="6220414" y="4751614"/>
+            <a:ext cx="743656" cy="424543"/>
+          </a:xfrm>
+          <a:prstGeom prst="rect">
+            <a:avLst/>
+          </a:prstGeom>
+          <a:noFill/>
+          <a:ln w="12700" cap="flat" cmpd="sng" algn="ctr">
+            <a:solidFill>
+              <a:schemeClr val="tx2"/>
+            </a:solidFill>
+            <a:prstDash val="solid"/>
+            <a:round/>
+            <a:headEnd type="none" w="lg" len="med"/>
+            <a:tailEnd type="none" w="lg" len="med"/>
+          </a:ln>
+          <a:effectLst/>
+        </p:spPr>
+        <p:txBody>
+          <a:bodyPr vert="horz" wrap="square" lIns="91440" tIns="45720" rIns="91440" bIns="45720" numCol="1" rtlCol="0" anchor="t" anchorCtr="0" compatLnSpc="1">
+            <a:prstTxWarp prst="textNoShape">
+              <a:avLst/>
+            </a:prstTxWarp>
+            <a:noAutofit/>
+          </a:bodyPr>
+          <a:lstStyle/>
+          <a:p>
+            <a:pPr marL="0" marR="0" indent="0" algn="l" defTabSz="914400" rtl="0" eaLnBrk="0" fontAlgn="base" latinLnBrk="0" hangingPunct="0">
+              <a:lnSpc>
+                <a:spcPct val="100000"/>
+              </a:lnSpc>
+              <a:spcBef>
+                <a:spcPct val="50000"/>
+              </a:spcBef>
+              <a:spcAft>
+                <a:spcPct val="0"/>
+              </a:spcAft>
+              <a:buClrTx/>
+              <a:buSzTx/>
+              <a:buFontTx/>
+              <a:buNone/>
+              <a:tabLst/>
+            </a:pPr>
+            <a:endParaRPr kumimoji="0" lang="en-US" sz="2800" b="0" i="0" u="none" strike="noStrike" cap="none" normalizeH="0" baseline="0" smtClean="0">
+              <a:ln>
+                <a:noFill/>
+              </a:ln>
+              <a:solidFill>
+                <a:schemeClr val="tx1"/>
+              </a:solidFill>
+              <a:effectLst/>
+              <a:latin typeface="Times New Roman" pitchFamily="18" charset="0"/>
+            </a:endParaRPr>
+          </a:p>
+        </p:txBody>
+      </p:sp>
+      <p:sp>
+        <p:nvSpPr>
+          <p:cNvPr id="58" name="Rectangle 57"/>
+          <p:cNvSpPr/>
+          <p:nvPr/>
+        </p:nvSpPr>
+        <p:spPr bwMode="auto">
+          <a:xfrm flipV="1">
+            <a:off x="5355771" y="5241471"/>
+            <a:ext cx="695157" cy="1010972"/>
+          </a:xfrm>
+          <a:prstGeom prst="rect">
+            <a:avLst/>
+          </a:prstGeom>
+          <a:noFill/>
+          <a:ln w="12700" cap="flat" cmpd="sng" algn="ctr">
+            <a:solidFill>
+              <a:schemeClr val="tx2"/>
+            </a:solidFill>
+            <a:prstDash val="solid"/>
+            <a:round/>
+            <a:headEnd type="none" w="lg" len="med"/>
+            <a:tailEnd type="none" w="lg" len="med"/>
+          </a:ln>
+          <a:effectLst/>
+        </p:spPr>
+        <p:txBody>
+          <a:bodyPr vert="horz" wrap="square" lIns="91440" tIns="45720" rIns="91440" bIns="45720" numCol="1" rtlCol="0" anchor="t" anchorCtr="0" compatLnSpc="1">
+            <a:prstTxWarp prst="textNoShape">
+              <a:avLst/>
+            </a:prstTxWarp>
+            <a:noAutofit/>
+          </a:bodyPr>
+          <a:lstStyle/>
+          <a:p>
+            <a:pPr marL="0" marR="0" indent="0" algn="l" defTabSz="914400" rtl="0" eaLnBrk="0" fontAlgn="base" latinLnBrk="0" hangingPunct="0">
+              <a:lnSpc>
+                <a:spcPct val="100000"/>
+              </a:lnSpc>
+              <a:spcBef>
+                <a:spcPct val="50000"/>
+              </a:spcBef>
+              <a:spcAft>
+                <a:spcPct val="0"/>
+              </a:spcAft>
+              <a:buClrTx/>
+              <a:buSzTx/>
+              <a:buFontTx/>
+              <a:buNone/>
+              <a:tabLst/>
+            </a:pPr>
+            <a:endParaRPr kumimoji="0" lang="en-US" sz="2800" b="0" i="0" strike="noStrike" cap="none" normalizeH="0" baseline="0" smtClean="0">
+              <a:ln>
+                <a:noFill/>
+              </a:ln>
+              <a:solidFill>
+                <a:schemeClr val="tx1"/>
+              </a:solidFill>
+              <a:effectLst/>
+              <a:latin typeface="Times New Roman" pitchFamily="18" charset="0"/>
+            </a:endParaRPr>
+          </a:p>
+        </p:txBody>
+      </p:sp>
+      <p:sp>
+        <p:nvSpPr>
+          <p:cNvPr id="59" name="Oval 58"/>
+          <p:cNvSpPr/>
+          <p:nvPr/>
+        </p:nvSpPr>
+        <p:spPr bwMode="auto">
+          <a:xfrm>
+            <a:off x="5486846" y="5974796"/>
+            <a:ext cx="219736" cy="215111"/>
+          </a:xfrm>
+          <a:prstGeom prst="ellipse">
+            <a:avLst/>
+          </a:prstGeom>
+          <a:noFill/>
+          <a:ln w="12700" cap="flat" cmpd="sng" algn="ctr">
+            <a:solidFill>
+              <a:schemeClr val="tx2"/>
+            </a:solidFill>
+            <a:prstDash val="solid"/>
+            <a:round/>
+            <a:headEnd type="none" w="lg" len="med"/>
+            <a:tailEnd type="none" w="lg" len="med"/>
+          </a:ln>
+          <a:effectLst/>
+        </p:spPr>
+        <p:txBody>
+          <a:bodyPr vert="horz" wrap="square" lIns="91440" tIns="45720" rIns="91440" bIns="45720" numCol="1" rtlCol="0" anchor="t" anchorCtr="0" compatLnSpc="1">
+            <a:prstTxWarp prst="textNoShape">
+              <a:avLst/>
+            </a:prstTxWarp>
+            <a:noAutofit/>
+          </a:bodyPr>
+          <a:lstStyle/>
+          <a:p>
+            <a:pPr marL="0" marR="0" indent="0" algn="l" defTabSz="914400" rtl="0" eaLnBrk="0" fontAlgn="base" latinLnBrk="0" hangingPunct="0">
+              <a:lnSpc>
+                <a:spcPct val="100000"/>
+              </a:lnSpc>
+              <a:spcBef>
+                <a:spcPct val="50000"/>
+              </a:spcBef>
+              <a:spcAft>
+                <a:spcPct val="0"/>
+              </a:spcAft>
+              <a:buClrTx/>
+              <a:buSzTx/>
+              <a:buFontTx/>
+              <a:buNone/>
+              <a:tabLst/>
+            </a:pPr>
+            <a:endParaRPr kumimoji="0" lang="en-US" sz="2800" b="0" i="0" strike="noStrike" cap="none" normalizeH="0" baseline="0" smtClean="0">
+              <a:ln>
+                <a:noFill/>
+              </a:ln>
+              <a:solidFill>
+                <a:schemeClr val="tx1"/>
+              </a:solidFill>
+              <a:effectLst/>
+              <a:latin typeface="Times New Roman" pitchFamily="18" charset="0"/>
+            </a:endParaRPr>
+          </a:p>
+        </p:txBody>
+      </p:sp>
+      <p:sp>
+        <p:nvSpPr>
+          <p:cNvPr id="60" name="Oval 59"/>
+          <p:cNvSpPr/>
+          <p:nvPr/>
+        </p:nvSpPr>
+        <p:spPr bwMode="auto">
+          <a:xfrm>
+            <a:off x="5443871" y="5332186"/>
+            <a:ext cx="219736" cy="215111"/>
+          </a:xfrm>
+          <a:prstGeom prst="ellipse">
+            <a:avLst/>
+          </a:prstGeom>
+          <a:noFill/>
+          <a:ln w="12700" cap="flat" cmpd="sng" algn="ctr">
+            <a:solidFill>
+              <a:schemeClr val="tx2"/>
+            </a:solidFill>
+            <a:prstDash val="solid"/>
+            <a:round/>
+            <a:headEnd type="none" w="lg" len="med"/>
+            <a:tailEnd type="none" w="lg" len="med"/>
+          </a:ln>
+          <a:effectLst/>
+        </p:spPr>
+        <p:txBody>
+          <a:bodyPr vert="horz" wrap="square" lIns="91440" tIns="45720" rIns="91440" bIns="45720" numCol="1" rtlCol="0" anchor="t" anchorCtr="0" compatLnSpc="1">
+            <a:prstTxWarp prst="textNoShape">
+              <a:avLst/>
+            </a:prstTxWarp>
+            <a:noAutofit/>
+          </a:bodyPr>
+          <a:lstStyle/>
+          <a:p>
+            <a:pPr marL="0" marR="0" indent="0" algn="l" defTabSz="914400" rtl="0" eaLnBrk="0" fontAlgn="base" latinLnBrk="0" hangingPunct="0">
+              <a:lnSpc>
+                <a:spcPct val="100000"/>
+              </a:lnSpc>
+              <a:spcBef>
+                <a:spcPct val="50000"/>
+              </a:spcBef>
+              <a:spcAft>
+                <a:spcPct val="0"/>
+              </a:spcAft>
+              <a:buClrTx/>
+              <a:buSzTx/>
+              <a:buFontTx/>
+              <a:buNone/>
+              <a:tabLst/>
+            </a:pPr>
+            <a:endParaRPr kumimoji="0" lang="en-US" sz="2800" b="0" i="0" strike="noStrike" cap="none" normalizeH="0" baseline="0" smtClean="0">
+              <a:ln>
+                <a:noFill/>
+              </a:ln>
+              <a:solidFill>
+                <a:schemeClr val="tx1"/>
+              </a:solidFill>
+              <a:effectLst/>
+              <a:latin typeface="Times New Roman" pitchFamily="18" charset="0"/>
+            </a:endParaRPr>
+          </a:p>
+        </p:txBody>
+      </p:sp>
+      <p:sp>
+        <p:nvSpPr>
+          <p:cNvPr id="61" name="Oval 60"/>
+          <p:cNvSpPr/>
+          <p:nvPr/>
+        </p:nvSpPr>
+        <p:spPr bwMode="auto">
+          <a:xfrm>
+            <a:off x="5773798" y="5974796"/>
+            <a:ext cx="219736" cy="215111"/>
+          </a:xfrm>
+          <a:prstGeom prst="ellipse">
+            <a:avLst/>
+          </a:prstGeom>
+          <a:noFill/>
+          <a:ln w="12700" cap="flat" cmpd="sng" algn="ctr">
+            <a:solidFill>
+              <a:schemeClr val="tx2"/>
+            </a:solidFill>
+            <a:prstDash val="solid"/>
+            <a:round/>
+            <a:headEnd type="none" w="lg" len="med"/>
+            <a:tailEnd type="none" w="lg" len="med"/>
+          </a:ln>
+          <a:effectLst/>
+        </p:spPr>
+        <p:txBody>
+          <a:bodyPr vert="horz" wrap="square" lIns="91440" tIns="45720" rIns="91440" bIns="45720" numCol="1" rtlCol="0" anchor="t" anchorCtr="0" compatLnSpc="1">
+            <a:prstTxWarp prst="textNoShape">
+              <a:avLst/>
+            </a:prstTxWarp>
+            <a:noAutofit/>
+          </a:bodyPr>
+          <a:lstStyle/>
+          <a:p>
+            <a:pPr marL="0" marR="0" indent="0" algn="l" defTabSz="914400" rtl="0" eaLnBrk="0" fontAlgn="base" latinLnBrk="0" hangingPunct="0">
+              <a:lnSpc>
+                <a:spcPct val="100000"/>
+              </a:lnSpc>
+              <a:spcBef>
+                <a:spcPct val="50000"/>
+              </a:spcBef>
+              <a:spcAft>
+                <a:spcPct val="0"/>
+              </a:spcAft>
+              <a:buClrTx/>
+              <a:buSzTx/>
+              <a:buFontTx/>
+              <a:buNone/>
+              <a:tabLst/>
+            </a:pPr>
+            <a:endParaRPr kumimoji="0" lang="en-US" sz="2800" b="0" i="0" strike="noStrike" cap="none" normalizeH="0" baseline="0" smtClean="0">
+              <a:ln>
+                <a:noFill/>
+              </a:ln>
+              <a:solidFill>
+                <a:schemeClr val="tx1"/>
+              </a:solidFill>
+              <a:effectLst/>
+              <a:latin typeface="Times New Roman" pitchFamily="18" charset="0"/>
+            </a:endParaRPr>
+          </a:p>
+        </p:txBody>
+      </p:sp>
+      <p:sp>
+        <p:nvSpPr>
+          <p:cNvPr id="62" name="Oval 61"/>
+          <p:cNvSpPr/>
+          <p:nvPr/>
+        </p:nvSpPr>
+        <p:spPr bwMode="auto">
+          <a:xfrm>
+            <a:off x="5756535" y="5322066"/>
+            <a:ext cx="219736" cy="215111"/>
+          </a:xfrm>
+          <a:prstGeom prst="ellipse">
+            <a:avLst/>
+          </a:prstGeom>
+          <a:noFill/>
+          <a:ln w="12700" cap="flat" cmpd="sng" algn="ctr">
+            <a:solidFill>
+              <a:srgbClr val="92D050"/>
+            </a:solidFill>
+            <a:prstDash val="solid"/>
+            <a:round/>
+            <a:headEnd type="none" w="lg" len="med"/>
+            <a:tailEnd type="none" w="lg" len="med"/>
+          </a:ln>
+          <a:effectLst/>
+        </p:spPr>
+        <p:txBody>
+          <a:bodyPr vert="horz" wrap="square" lIns="91440" tIns="45720" rIns="91440" bIns="45720" numCol="1" rtlCol="0" anchor="t" anchorCtr="0" compatLnSpc="1">
+            <a:prstTxWarp prst="textNoShape">
+              <a:avLst/>
+            </a:prstTxWarp>
+            <a:noAutofit/>
+          </a:bodyPr>
+          <a:lstStyle/>
+          <a:p>
+            <a:pPr marL="0" marR="0" indent="0" algn="l" defTabSz="914400" rtl="0" eaLnBrk="0" fontAlgn="base" latinLnBrk="0" hangingPunct="0">
+              <a:lnSpc>
+                <a:spcPct val="100000"/>
+              </a:lnSpc>
+              <a:spcBef>
+                <a:spcPct val="50000"/>
+              </a:spcBef>
+              <a:spcAft>
+                <a:spcPct val="0"/>
+              </a:spcAft>
+              <a:buClrTx/>
+              <a:buSzTx/>
+              <a:buFontTx/>
+              <a:buNone/>
+              <a:tabLst/>
+            </a:pPr>
+            <a:endParaRPr kumimoji="0" lang="en-US" sz="2800" b="0" i="0" strike="noStrike" cap="none" normalizeH="0" baseline="0" smtClean="0">
+              <a:ln>
+                <a:noFill/>
+              </a:ln>
+              <a:solidFill>
+                <a:schemeClr val="tx1"/>
+              </a:solidFill>
+              <a:effectLst/>
+              <a:latin typeface="Times New Roman" pitchFamily="18" charset="0"/>
+            </a:endParaRPr>
+          </a:p>
+        </p:txBody>
+      </p:sp>
+      <p:sp>
+        <p:nvSpPr>
+          <p:cNvPr id="63" name="Oval 62"/>
+          <p:cNvSpPr/>
+          <p:nvPr/>
+        </p:nvSpPr>
+        <p:spPr bwMode="auto">
+          <a:xfrm flipV="1">
+            <a:off x="6670834" y="3705490"/>
+            <a:ext cx="265296" cy="259711"/>
+          </a:xfrm>
+          <a:prstGeom prst="ellipse">
+            <a:avLst/>
+          </a:prstGeom>
+          <a:noFill/>
+          <a:ln w="12700" cap="flat" cmpd="sng" algn="ctr">
+            <a:solidFill>
+              <a:srgbClr val="92D050"/>
+            </a:solidFill>
+            <a:prstDash val="solid"/>
+            <a:round/>
+            <a:headEnd type="none" w="lg" len="med"/>
+            <a:tailEnd type="none" w="lg" len="med"/>
+          </a:ln>
+          <a:effectLst/>
+        </p:spPr>
+        <p:txBody>
+          <a:bodyPr vert="horz" wrap="square" lIns="91440" tIns="45720" rIns="91440" bIns="45720" numCol="1" rtlCol="0" anchor="t" anchorCtr="0" compatLnSpc="1">
+            <a:prstTxWarp prst="textNoShape">
+              <a:avLst/>
+            </a:prstTxWarp>
+            <a:noAutofit/>
+          </a:bodyPr>
+          <a:lstStyle/>
+          <a:p>
+            <a:pPr marL="0" marR="0" indent="0" algn="l" defTabSz="914400" rtl="0" eaLnBrk="0" fontAlgn="base" latinLnBrk="0" hangingPunct="0">
+              <a:lnSpc>
+                <a:spcPct val="100000"/>
+              </a:lnSpc>
+              <a:spcBef>
+                <a:spcPct val="50000"/>
+              </a:spcBef>
+              <a:spcAft>
+                <a:spcPct val="0"/>
+              </a:spcAft>
+              <a:buClrTx/>
+              <a:buSzTx/>
+              <a:buFontTx/>
+              <a:buNone/>
+              <a:tabLst/>
+            </a:pPr>
+            <a:endParaRPr kumimoji="0" lang="en-US" sz="2800" b="0" i="0" u="none" strike="noStrike" cap="none" normalizeH="0" baseline="0" smtClean="0">
+              <a:ln>
+                <a:noFill/>
+              </a:ln>
+              <a:solidFill>
+                <a:schemeClr val="tx1"/>
+              </a:solidFill>
+              <a:effectLst/>
+              <a:latin typeface="Times New Roman" pitchFamily="18" charset="0"/>
+            </a:endParaRPr>
+          </a:p>
+        </p:txBody>
+      </p:sp>
+      <p:sp>
+        <p:nvSpPr>
+          <p:cNvPr id="64" name="Oval 63"/>
+          <p:cNvSpPr/>
+          <p:nvPr/>
+        </p:nvSpPr>
+        <p:spPr bwMode="auto">
+          <a:xfrm flipV="1">
+            <a:off x="6654983" y="5971982"/>
+            <a:ext cx="265296" cy="259711"/>
+          </a:xfrm>
+          <a:prstGeom prst="ellipse">
+            <a:avLst/>
+          </a:prstGeom>
+          <a:noFill/>
+          <a:ln w="12700" cap="flat" cmpd="sng" algn="ctr">
+            <a:solidFill>
+              <a:srgbClr val="92D050"/>
+            </a:solidFill>
+            <a:prstDash val="solid"/>
+            <a:round/>
+            <a:headEnd type="none" w="lg" len="med"/>
+            <a:tailEnd type="none" w="lg" len="med"/>
+          </a:ln>
+          <a:effectLst/>
+        </p:spPr>
+        <p:txBody>
+          <a:bodyPr vert="horz" wrap="square" lIns="91440" tIns="45720" rIns="91440" bIns="45720" numCol="1" rtlCol="0" anchor="t" anchorCtr="0" compatLnSpc="1">
+            <a:prstTxWarp prst="textNoShape">
+              <a:avLst/>
+            </a:prstTxWarp>
+            <a:noAutofit/>
+          </a:bodyPr>
+          <a:lstStyle/>
+          <a:p>
+            <a:pPr marL="0" marR="0" indent="0" algn="l" defTabSz="914400" rtl="0" eaLnBrk="0" fontAlgn="base" latinLnBrk="0" hangingPunct="0">
+              <a:lnSpc>
+                <a:spcPct val="100000"/>
+              </a:lnSpc>
+              <a:spcBef>
+                <a:spcPct val="50000"/>
+              </a:spcBef>
+              <a:spcAft>
+                <a:spcPct val="0"/>
+              </a:spcAft>
+              <a:buClrTx/>
+              <a:buSzTx/>
+              <a:buFontTx/>
+              <a:buNone/>
+              <a:tabLst/>
+            </a:pPr>
+            <a:endParaRPr kumimoji="0" lang="en-US" sz="2800" b="0" i="0" u="none" strike="noStrike" cap="none" normalizeH="0" baseline="0" smtClean="0">
+              <a:ln>
+                <a:noFill/>
+              </a:ln>
+              <a:solidFill>
+                <a:schemeClr val="tx1"/>
+              </a:solidFill>
+              <a:effectLst/>
+              <a:latin typeface="Times New Roman" pitchFamily="18" charset="0"/>
+            </a:endParaRPr>
+          </a:p>
+        </p:txBody>
+      </p:sp>
+      <p:sp>
+        <p:nvSpPr>
+          <p:cNvPr id="66" name="Rectangle 65"/>
+          <p:cNvSpPr/>
+          <p:nvPr/>
+        </p:nvSpPr>
+        <p:spPr bwMode="auto">
+          <a:xfrm>
+            <a:off x="5353507" y="4751614"/>
+            <a:ext cx="701040" cy="424544"/>
+          </a:xfrm>
+          <a:prstGeom prst="rect">
+            <a:avLst/>
+          </a:prstGeom>
+          <a:noFill/>
+          <a:ln w="12700" cap="flat" cmpd="sng" algn="ctr">
+            <a:solidFill>
+              <a:schemeClr val="tx2"/>
+            </a:solidFill>
+            <a:prstDash val="solid"/>
+            <a:round/>
+            <a:headEnd type="none" w="lg" len="med"/>
+            <a:tailEnd type="none" w="lg" len="med"/>
+          </a:ln>
+          <a:effectLst/>
+        </p:spPr>
+        <p:txBody>
+          <a:bodyPr vert="horz" wrap="square" lIns="91440" tIns="45720" rIns="91440" bIns="45720" numCol="1" rtlCol="0" anchor="t" anchorCtr="0" compatLnSpc="1">
+            <a:prstTxWarp prst="textNoShape">
+              <a:avLst/>
+            </a:prstTxWarp>
+            <a:noAutofit/>
+          </a:bodyPr>
+          <a:lstStyle/>
+          <a:p>
+            <a:pPr marL="0" marR="0" indent="0" algn="l" defTabSz="914400" rtl="0" eaLnBrk="0" fontAlgn="base" latinLnBrk="0" hangingPunct="0">
+              <a:lnSpc>
+                <a:spcPct val="100000"/>
+              </a:lnSpc>
+              <a:spcBef>
+                <a:spcPct val="50000"/>
+              </a:spcBef>
+              <a:spcAft>
+                <a:spcPct val="0"/>
+              </a:spcAft>
+              <a:buClrTx/>
+              <a:buSzTx/>
+              <a:buFontTx/>
+              <a:buNone/>
+              <a:tabLst/>
+            </a:pPr>
+            <a:endParaRPr kumimoji="0" lang="en-US" sz="2800" b="0" i="0" u="none" strike="noStrike" cap="none" normalizeH="0" baseline="0" smtClean="0">
+              <a:ln>
+                <a:noFill/>
+              </a:ln>
+              <a:solidFill>
+                <a:schemeClr val="tx1"/>
+              </a:solidFill>
+              <a:effectLst/>
+              <a:latin typeface="Times New Roman" pitchFamily="18" charset="0"/>
+            </a:endParaRPr>
+          </a:p>
+        </p:txBody>
+      </p:sp>
+      <p:sp>
+        <p:nvSpPr>
+          <p:cNvPr id="67" name="Oval 66"/>
+          <p:cNvSpPr/>
+          <p:nvPr/>
+        </p:nvSpPr>
+        <p:spPr bwMode="auto">
+          <a:xfrm>
+            <a:off x="5450382" y="4896649"/>
+            <a:ext cx="182689" cy="178843"/>
+          </a:xfrm>
+          <a:prstGeom prst="ellipse">
+            <a:avLst/>
+          </a:prstGeom>
+          <a:noFill/>
+          <a:ln w="12700" cap="flat" cmpd="sng" algn="ctr">
+            <a:solidFill>
+              <a:schemeClr val="tx2"/>
+            </a:solidFill>
+            <a:prstDash val="solid"/>
+            <a:round/>
+            <a:headEnd type="none" w="lg" len="med"/>
+            <a:tailEnd type="none" w="lg" len="med"/>
+          </a:ln>
+          <a:effectLst/>
+        </p:spPr>
+        <p:txBody>
+          <a:bodyPr vert="horz" wrap="square" lIns="91440" tIns="45720" rIns="91440" bIns="45720" numCol="1" rtlCol="0" anchor="t" anchorCtr="0" compatLnSpc="1">
+            <a:prstTxWarp prst="textNoShape">
+              <a:avLst/>
+            </a:prstTxWarp>
+            <a:noAutofit/>
+          </a:bodyPr>
+          <a:lstStyle/>
+          <a:p>
+            <a:pPr marL="0" marR="0" indent="0" algn="l" defTabSz="914400" rtl="0" eaLnBrk="0" fontAlgn="base" latinLnBrk="0" hangingPunct="0">
+              <a:lnSpc>
+                <a:spcPct val="100000"/>
+              </a:lnSpc>
+              <a:spcBef>
+                <a:spcPct val="50000"/>
+              </a:spcBef>
+              <a:spcAft>
+                <a:spcPct val="0"/>
+              </a:spcAft>
+              <a:buClrTx/>
+              <a:buSzTx/>
+              <a:buFontTx/>
+              <a:buNone/>
+              <a:tabLst/>
+            </a:pPr>
+            <a:endParaRPr kumimoji="0" lang="en-US" sz="2800" b="0" i="0" u="none" strike="noStrike" cap="none" normalizeH="0" baseline="0" smtClean="0">
+              <a:ln>
+                <a:noFill/>
+              </a:ln>
+              <a:solidFill>
+                <a:schemeClr val="tx1"/>
+              </a:solidFill>
+              <a:effectLst/>
+              <a:latin typeface="Times New Roman" pitchFamily="18" charset="0"/>
+            </a:endParaRPr>
+          </a:p>
+        </p:txBody>
+      </p:sp>
+      <p:sp>
+        <p:nvSpPr>
+          <p:cNvPr id="71" name="TextBox 70"/>
+          <p:cNvSpPr txBox="1"/>
+          <p:nvPr/>
+        </p:nvSpPr>
+        <p:spPr>
+          <a:xfrm>
+            <a:off x="4278173" y="3978249"/>
+            <a:ext cx="952196" cy="276999"/>
+          </a:xfrm>
+          <a:prstGeom prst="rect">
+            <a:avLst/>
+          </a:prstGeom>
+          <a:noFill/>
+        </p:spPr>
+        <p:txBody>
+          <a:bodyPr wrap="square" rtlCol="0">
+            <a:spAutoFit/>
+          </a:bodyPr>
+          <a:lstStyle/>
+          <a:p>
+            <a:r>
+              <a:rPr lang="en-US" sz="1200" dirty="0" smtClean="0"/>
+              <a:t>Under Floor</a:t>
+            </a:r>
+            <a:endParaRPr lang="en-US" sz="1200" dirty="0"/>
+          </a:p>
+        </p:txBody>
+      </p:sp>
+      <p:sp>
+        <p:nvSpPr>
+          <p:cNvPr id="89" name="TextBox 88"/>
+          <p:cNvSpPr txBox="1"/>
+          <p:nvPr/>
+        </p:nvSpPr>
+        <p:spPr>
+          <a:xfrm>
+            <a:off x="4304641" y="5557100"/>
+            <a:ext cx="646177" cy="276999"/>
+          </a:xfrm>
+          <a:prstGeom prst="rect">
+            <a:avLst/>
+          </a:prstGeom>
+          <a:noFill/>
+        </p:spPr>
+        <p:txBody>
+          <a:bodyPr wrap="square" rtlCol="0">
+            <a:spAutoFit/>
+          </a:bodyPr>
+          <a:lstStyle/>
+          <a:p>
+            <a:r>
+              <a:rPr lang="en-US" sz="1200" dirty="0" smtClean="0"/>
+              <a:t>Ceiling</a:t>
+            </a:r>
+            <a:endParaRPr lang="en-US" sz="1200" dirty="0"/>
+          </a:p>
+        </p:txBody>
+      </p:sp>
+      <p:sp>
+        <p:nvSpPr>
+          <p:cNvPr id="119" name="Rectangle 118"/>
+          <p:cNvSpPr/>
+          <p:nvPr/>
+        </p:nvSpPr>
+        <p:spPr bwMode="auto">
+          <a:xfrm>
+            <a:off x="5257849" y="3437263"/>
+            <a:ext cx="1759895" cy="3018621"/>
+          </a:xfrm>
+          <a:prstGeom prst="rect">
+            <a:avLst/>
+          </a:prstGeom>
+          <a:noFill/>
+          <a:ln w="12700" cap="flat" cmpd="sng" algn="ctr">
+            <a:solidFill>
+              <a:schemeClr val="tx2"/>
+            </a:solidFill>
+            <a:prstDash val="solid"/>
+            <a:round/>
+            <a:headEnd type="none" w="lg" len="med"/>
+            <a:tailEnd type="none" w="lg" len="med"/>
+          </a:ln>
+          <a:effectLst/>
+        </p:spPr>
+        <p:txBody>
+          <a:bodyPr vert="horz" wrap="square" lIns="91440" tIns="45720" rIns="91440" bIns="45720" numCol="1" rtlCol="0" anchor="t" anchorCtr="0" compatLnSpc="1">
+            <a:prstTxWarp prst="textNoShape">
+              <a:avLst/>
+            </a:prstTxWarp>
+            <a:noAutofit/>
+          </a:bodyPr>
+          <a:lstStyle/>
+          <a:p>
+            <a:pPr marL="0" marR="0" indent="0" algn="l" defTabSz="914400" rtl="0" eaLnBrk="0" fontAlgn="base" latinLnBrk="0" hangingPunct="0">
+              <a:lnSpc>
+                <a:spcPct val="100000"/>
+              </a:lnSpc>
+              <a:spcBef>
+                <a:spcPct val="50000"/>
+              </a:spcBef>
+              <a:spcAft>
+                <a:spcPct val="0"/>
+              </a:spcAft>
+              <a:buClrTx/>
+              <a:buSzTx/>
+              <a:buFontTx/>
+              <a:buNone/>
+              <a:tabLst/>
+            </a:pPr>
+            <a:endParaRPr kumimoji="0" lang="en-US" sz="2800" b="0" i="0" u="none" strike="noStrike" cap="none" normalizeH="0" baseline="0" smtClean="0">
+              <a:ln>
+                <a:noFill/>
+              </a:ln>
+              <a:solidFill>
+                <a:schemeClr val="tx1"/>
+              </a:solidFill>
+              <a:effectLst/>
+              <a:latin typeface="Times New Roman" pitchFamily="18" charset="0"/>
+            </a:endParaRPr>
+          </a:p>
+        </p:txBody>
+      </p:sp>
+      <p:sp>
+        <p:nvSpPr>
+          <p:cNvPr id="92" name="Rectangle 91"/>
+          <p:cNvSpPr/>
+          <p:nvPr/>
+        </p:nvSpPr>
+        <p:spPr bwMode="auto">
+          <a:xfrm>
+            <a:off x="5989363" y="4872218"/>
+            <a:ext cx="303408" cy="211157"/>
+          </a:xfrm>
+          <a:prstGeom prst="rect">
+            <a:avLst/>
+          </a:prstGeom>
+          <a:noFill/>
+          <a:ln w="12700" cap="flat" cmpd="sng" algn="ctr">
+            <a:solidFill>
+              <a:srgbClr val="00B0F0"/>
+            </a:solidFill>
+            <a:prstDash val="solid"/>
+            <a:round/>
+            <a:headEnd type="none" w="lg" len="med"/>
+            <a:tailEnd type="none" w="lg" len="med"/>
+          </a:ln>
+          <a:effectLst/>
+        </p:spPr>
+        <p:txBody>
+          <a:bodyPr vert="horz" wrap="square" lIns="91440" tIns="45720" rIns="91440" bIns="45720" numCol="1" rtlCol="0" anchor="t" anchorCtr="0" compatLnSpc="1">
+            <a:prstTxWarp prst="textNoShape">
+              <a:avLst/>
+            </a:prstTxWarp>
+            <a:noAutofit/>
+          </a:bodyPr>
+          <a:lstStyle/>
+          <a:p>
+            <a:pPr marL="0" marR="0" indent="0" algn="l" defTabSz="914400" rtl="0" eaLnBrk="0" fontAlgn="base" latinLnBrk="0" hangingPunct="0">
+              <a:lnSpc>
+                <a:spcPct val="100000"/>
+              </a:lnSpc>
+              <a:spcBef>
+                <a:spcPct val="50000"/>
+              </a:spcBef>
+              <a:spcAft>
+                <a:spcPct val="0"/>
+              </a:spcAft>
+              <a:buClrTx/>
+              <a:buSzTx/>
+              <a:buFontTx/>
+              <a:buNone/>
+              <a:tabLst/>
+            </a:pPr>
+            <a:endParaRPr kumimoji="0" lang="en-US" sz="2800" b="0" i="0" u="none" strike="noStrike" cap="none" normalizeH="0" baseline="0" smtClean="0">
+              <a:ln>
+                <a:noFill/>
+              </a:ln>
+              <a:solidFill>
+                <a:schemeClr val="tx1"/>
+              </a:solidFill>
+              <a:effectLst/>
+              <a:latin typeface="Times New Roman" pitchFamily="18" charset="0"/>
+            </a:endParaRPr>
+          </a:p>
+        </p:txBody>
+      </p:sp>
+      <p:sp>
+        <p:nvSpPr>
+          <p:cNvPr id="100" name="TextBox 99"/>
+          <p:cNvSpPr txBox="1"/>
+          <p:nvPr/>
+        </p:nvSpPr>
+        <p:spPr>
+          <a:xfrm>
+            <a:off x="4286689" y="762061"/>
+            <a:ext cx="2863257" cy="646331"/>
+          </a:xfrm>
+          <a:prstGeom prst="rect">
+            <a:avLst/>
+          </a:prstGeom>
+          <a:noFill/>
+        </p:spPr>
+        <p:txBody>
+          <a:bodyPr wrap="square" rtlCol="0">
+            <a:spAutoFit/>
+          </a:bodyPr>
+          <a:lstStyle/>
+          <a:p>
+            <a:r>
+              <a:rPr lang="en-US" sz="1200" dirty="0" smtClean="0"/>
+              <a:t>To bypass filtration we would plug all four inlet pipes as well as the overflow drain and unplug the blue pipe</a:t>
+            </a:r>
+            <a:endParaRPr lang="en-US" sz="1200" dirty="0"/>
+          </a:p>
+        </p:txBody>
+      </p:sp>
+      <p:sp>
+        <p:nvSpPr>
+          <p:cNvPr id="102" name="Oval 101"/>
+          <p:cNvSpPr/>
+          <p:nvPr/>
+        </p:nvSpPr>
+        <p:spPr bwMode="auto">
+          <a:xfrm>
+            <a:off x="4627530" y="4881617"/>
+            <a:ext cx="139779" cy="116512"/>
+          </a:xfrm>
+          <a:prstGeom prst="ellipse">
+            <a:avLst/>
+          </a:prstGeom>
+          <a:noFill/>
+          <a:ln w="12700" cap="flat" cmpd="sng" algn="ctr">
+            <a:solidFill>
+              <a:srgbClr val="92D050"/>
+            </a:solidFill>
+            <a:prstDash val="solid"/>
+            <a:round/>
+            <a:headEnd type="none" w="lg" len="med"/>
+            <a:tailEnd type="none" w="lg" len="med"/>
+          </a:ln>
+          <a:effectLst/>
+        </p:spPr>
+        <p:txBody>
+          <a:bodyPr vert="horz" wrap="square" lIns="91440" tIns="45720" rIns="91440" bIns="45720" numCol="1" rtlCol="0" anchor="t" anchorCtr="0" compatLnSpc="1">
+            <a:prstTxWarp prst="textNoShape">
+              <a:avLst/>
+            </a:prstTxWarp>
+            <a:noAutofit/>
+          </a:bodyPr>
+          <a:lstStyle/>
+          <a:p>
+            <a:pPr marL="0" marR="0" indent="0" algn="l" defTabSz="914400" rtl="0" eaLnBrk="0" fontAlgn="base" latinLnBrk="0" hangingPunct="0">
+              <a:lnSpc>
+                <a:spcPct val="100000"/>
+              </a:lnSpc>
+              <a:spcBef>
+                <a:spcPct val="50000"/>
+              </a:spcBef>
+              <a:spcAft>
+                <a:spcPct val="0"/>
+              </a:spcAft>
+              <a:buClrTx/>
+              <a:buSzTx/>
+              <a:buFontTx/>
+              <a:buNone/>
+              <a:tabLst/>
+            </a:pPr>
+            <a:endParaRPr kumimoji="0" lang="en-US" sz="2800" b="0" i="0" u="none" strike="noStrike" cap="none" normalizeH="0" baseline="0" smtClean="0">
+              <a:ln>
+                <a:noFill/>
+              </a:ln>
+              <a:solidFill>
+                <a:schemeClr val="tx1"/>
+              </a:solidFill>
+              <a:effectLst/>
+              <a:latin typeface="Times New Roman" pitchFamily="18" charset="0"/>
+            </a:endParaRPr>
+          </a:p>
+        </p:txBody>
+      </p:sp>
+      <p:cxnSp>
+        <p:nvCxnSpPr>
+          <p:cNvPr id="103" name="Straight Arrow Connector 102"/>
+          <p:cNvCxnSpPr>
+            <a:stCxn id="71" idx="2"/>
+            <a:endCxn id="102" idx="0"/>
+          </p:cNvCxnSpPr>
+          <p:nvPr/>
+        </p:nvCxnSpPr>
+        <p:spPr bwMode="auto">
+          <a:xfrm rot="5400000">
+            <a:off x="4412662" y="4540007"/>
+            <a:ext cx="626369" cy="56851"/>
+          </a:xfrm>
+          <a:prstGeom prst="straightConnector1">
+            <a:avLst/>
+          </a:prstGeom>
+          <a:noFill/>
+          <a:ln w="12700" cap="flat" cmpd="sng" algn="ctr">
+            <a:solidFill>
+              <a:schemeClr val="tx2"/>
+            </a:solidFill>
+            <a:prstDash val="solid"/>
+            <a:round/>
+            <a:headEnd type="none" w="lg" len="med"/>
+            <a:tailEnd type="arrow"/>
+          </a:ln>
+          <a:effectLst/>
+        </p:spPr>
+      </p:cxnSp>
+      <p:sp>
+        <p:nvSpPr>
+          <p:cNvPr id="68" name="Rectangle 67"/>
+          <p:cNvSpPr/>
+          <p:nvPr/>
+        </p:nvSpPr>
+        <p:spPr bwMode="auto">
+          <a:xfrm>
+            <a:off x="4955220" y="4403323"/>
+            <a:ext cx="318116" cy="1100831"/>
+          </a:xfrm>
+          <a:prstGeom prst="rect">
+            <a:avLst/>
+          </a:prstGeom>
+          <a:noFill/>
+          <a:ln w="12700" cap="flat" cmpd="sng" algn="ctr">
+            <a:solidFill>
+              <a:schemeClr val="accent1"/>
+            </a:solidFill>
+            <a:prstDash val="solid"/>
+            <a:round/>
+            <a:headEnd type="none" w="lg" len="med"/>
+            <a:tailEnd type="none" w="lg" len="med"/>
+          </a:ln>
+          <a:effectLst/>
+        </p:spPr>
+        <p:txBody>
+          <a:bodyPr vert="horz" wrap="square" lIns="91440" tIns="45720" rIns="91440" bIns="45720" numCol="1" rtlCol="0" anchor="t" anchorCtr="0" compatLnSpc="1">
+            <a:prstTxWarp prst="textNoShape">
+              <a:avLst/>
+            </a:prstTxWarp>
+            <a:noAutofit/>
+          </a:bodyPr>
+          <a:lstStyle/>
+          <a:p>
+            <a:pPr marL="0" marR="0" indent="0" algn="l" defTabSz="914400" rtl="0" eaLnBrk="0" fontAlgn="base" latinLnBrk="0" hangingPunct="0">
+              <a:lnSpc>
+                <a:spcPct val="100000"/>
+              </a:lnSpc>
+              <a:spcBef>
+                <a:spcPct val="50000"/>
+              </a:spcBef>
+              <a:spcAft>
+                <a:spcPct val="0"/>
+              </a:spcAft>
+              <a:buClrTx/>
+              <a:buSzTx/>
+              <a:buFontTx/>
+              <a:buNone/>
+              <a:tabLst/>
+            </a:pPr>
+            <a:endParaRPr kumimoji="0" lang="en-US" sz="2800" b="0" i="0" u="none" strike="noStrike" cap="none" normalizeH="0" baseline="0" smtClean="0">
+              <a:ln>
+                <a:noFill/>
+              </a:ln>
+              <a:solidFill>
+                <a:schemeClr val="tx1"/>
+              </a:solidFill>
+              <a:effectLst/>
+              <a:latin typeface="Times New Roman" pitchFamily="18" charset="0"/>
+            </a:endParaRPr>
+          </a:p>
+        </p:txBody>
+      </p:sp>
+      <p:sp>
+        <p:nvSpPr>
+          <p:cNvPr id="75" name="Oval 74"/>
+          <p:cNvSpPr/>
+          <p:nvPr/>
+        </p:nvSpPr>
+        <p:spPr bwMode="auto">
+          <a:xfrm flipV="1">
+            <a:off x="4985557" y="4834434"/>
+            <a:ext cx="265296" cy="259711"/>
+          </a:xfrm>
+          <a:prstGeom prst="ellipse">
+            <a:avLst/>
+          </a:prstGeom>
+          <a:noFill/>
+          <a:ln w="12700" cap="flat" cmpd="sng" algn="ctr">
+            <a:solidFill>
+              <a:srgbClr val="92D050"/>
+            </a:solidFill>
+            <a:prstDash val="solid"/>
+            <a:round/>
+            <a:headEnd type="none" w="lg" len="med"/>
+            <a:tailEnd type="none" w="lg" len="med"/>
+          </a:ln>
+          <a:effectLst/>
+        </p:spPr>
+        <p:txBody>
+          <a:bodyPr vert="horz" wrap="square" lIns="91440" tIns="45720" rIns="91440" bIns="45720" numCol="1" rtlCol="0" anchor="t" anchorCtr="0" compatLnSpc="1">
+            <a:prstTxWarp prst="textNoShape">
+              <a:avLst/>
+            </a:prstTxWarp>
+            <a:noAutofit/>
+          </a:bodyPr>
+          <a:lstStyle/>
+          <a:p>
+            <a:pPr marL="0" marR="0" indent="0" algn="l" defTabSz="914400" rtl="0" eaLnBrk="0" fontAlgn="base" latinLnBrk="0" hangingPunct="0">
+              <a:lnSpc>
+                <a:spcPct val="100000"/>
+              </a:lnSpc>
+              <a:spcBef>
+                <a:spcPct val="50000"/>
+              </a:spcBef>
+              <a:spcAft>
+                <a:spcPct val="0"/>
+              </a:spcAft>
+              <a:buClrTx/>
+              <a:buSzTx/>
+              <a:buFontTx/>
+              <a:buNone/>
+              <a:tabLst/>
+            </a:pPr>
+            <a:endParaRPr kumimoji="0" lang="en-US" sz="2800" b="0" i="0" u="none" strike="noStrike" cap="none" normalizeH="0" baseline="0" smtClean="0">
+              <a:ln>
+                <a:noFill/>
+              </a:ln>
+              <a:solidFill>
+                <a:schemeClr val="tx1"/>
+              </a:solidFill>
+              <a:effectLst/>
+              <a:latin typeface="Times New Roman" pitchFamily="18" charset="0"/>
+            </a:endParaRPr>
+          </a:p>
+        </p:txBody>
+      </p:sp>
+      <p:sp>
+        <p:nvSpPr>
+          <p:cNvPr id="73" name="TextBox 72"/>
+          <p:cNvSpPr txBox="1"/>
+          <p:nvPr/>
+        </p:nvSpPr>
+        <p:spPr>
+          <a:xfrm>
+            <a:off x="6338656" y="4193748"/>
+            <a:ext cx="230820" cy="261610"/>
+          </a:xfrm>
+          <a:prstGeom prst="rect">
+            <a:avLst/>
+          </a:prstGeom>
+          <a:noFill/>
+        </p:spPr>
+        <p:txBody>
+          <a:bodyPr wrap="square" rtlCol="0">
+            <a:spAutoFit/>
+          </a:bodyPr>
+          <a:lstStyle/>
+          <a:p>
+            <a:r>
+              <a:rPr lang="en-US" sz="1100" dirty="0" smtClean="0"/>
+              <a:t>3</a:t>
+            </a:r>
+            <a:endParaRPr lang="en-US" sz="1100" dirty="0"/>
+          </a:p>
+        </p:txBody>
+      </p:sp>
+      <p:sp>
+        <p:nvSpPr>
+          <p:cNvPr id="74" name="TextBox 73"/>
+          <p:cNvSpPr txBox="1"/>
+          <p:nvPr/>
+        </p:nvSpPr>
+        <p:spPr>
+          <a:xfrm>
+            <a:off x="6322380" y="3721224"/>
+            <a:ext cx="230820" cy="261610"/>
+          </a:xfrm>
+          <a:prstGeom prst="rect">
+            <a:avLst/>
+          </a:prstGeom>
+          <a:noFill/>
+        </p:spPr>
+        <p:txBody>
+          <a:bodyPr wrap="square" rtlCol="0">
+            <a:spAutoFit/>
+          </a:bodyPr>
+          <a:lstStyle/>
+          <a:p>
+            <a:r>
+              <a:rPr lang="en-US" sz="1100" dirty="0" smtClean="0"/>
+              <a:t>1</a:t>
+            </a:r>
+            <a:endParaRPr lang="en-US" sz="1100" dirty="0"/>
+          </a:p>
+        </p:txBody>
+      </p:sp>
+      <p:sp>
+        <p:nvSpPr>
+          <p:cNvPr id="76" name="TextBox 75"/>
+          <p:cNvSpPr txBox="1"/>
+          <p:nvPr/>
+        </p:nvSpPr>
+        <p:spPr>
+          <a:xfrm>
+            <a:off x="6678967" y="3704949"/>
+            <a:ext cx="230820" cy="261610"/>
+          </a:xfrm>
+          <a:prstGeom prst="rect">
+            <a:avLst/>
+          </a:prstGeom>
+          <a:noFill/>
+        </p:spPr>
+        <p:txBody>
+          <a:bodyPr wrap="square" rtlCol="0">
+            <a:spAutoFit/>
+          </a:bodyPr>
+          <a:lstStyle/>
+          <a:p>
+            <a:r>
+              <a:rPr lang="en-US" sz="1100" dirty="0" smtClean="0"/>
+              <a:t>0</a:t>
+            </a:r>
+            <a:endParaRPr lang="en-US" sz="1100" dirty="0"/>
+          </a:p>
+        </p:txBody>
+      </p:sp>
+      <p:sp>
+        <p:nvSpPr>
+          <p:cNvPr id="77" name="TextBox 76"/>
+          <p:cNvSpPr txBox="1"/>
+          <p:nvPr/>
+        </p:nvSpPr>
+        <p:spPr>
+          <a:xfrm>
+            <a:off x="6653811" y="4187882"/>
+            <a:ext cx="230820" cy="261610"/>
+          </a:xfrm>
+          <a:prstGeom prst="rect">
+            <a:avLst/>
+          </a:prstGeom>
+          <a:noFill/>
+        </p:spPr>
+        <p:txBody>
+          <a:bodyPr wrap="square" rtlCol="0">
+            <a:spAutoFit/>
+          </a:bodyPr>
+          <a:lstStyle/>
+          <a:p>
+            <a:r>
+              <a:rPr lang="en-US" sz="1100" dirty="0" smtClean="0"/>
+              <a:t>2</a:t>
+            </a:r>
+            <a:endParaRPr lang="en-US" sz="1100" dirty="0"/>
+          </a:p>
+        </p:txBody>
+      </p:sp>
+      <p:sp>
+        <p:nvSpPr>
+          <p:cNvPr id="79" name="TextBox 78"/>
+          <p:cNvSpPr txBox="1"/>
+          <p:nvPr/>
+        </p:nvSpPr>
+        <p:spPr>
+          <a:xfrm>
+            <a:off x="5419712" y="4370560"/>
+            <a:ext cx="230820" cy="261610"/>
+          </a:xfrm>
+          <a:prstGeom prst="rect">
+            <a:avLst/>
+          </a:prstGeom>
+          <a:noFill/>
+        </p:spPr>
+        <p:txBody>
+          <a:bodyPr wrap="square" rtlCol="0">
+            <a:spAutoFit/>
+          </a:bodyPr>
+          <a:lstStyle/>
+          <a:p>
+            <a:r>
+              <a:rPr lang="en-US" sz="1100" dirty="0" smtClean="0"/>
+              <a:t>3</a:t>
+            </a:r>
+            <a:endParaRPr lang="en-US" sz="1100" dirty="0"/>
+          </a:p>
+        </p:txBody>
+      </p:sp>
+      <p:sp>
+        <p:nvSpPr>
+          <p:cNvPr id="80" name="TextBox 79"/>
+          <p:cNvSpPr txBox="1"/>
+          <p:nvPr/>
+        </p:nvSpPr>
+        <p:spPr>
+          <a:xfrm>
+            <a:off x="5444971" y="3696070"/>
+            <a:ext cx="230820" cy="261610"/>
+          </a:xfrm>
+          <a:prstGeom prst="rect">
+            <a:avLst/>
+          </a:prstGeom>
+          <a:noFill/>
+        </p:spPr>
+        <p:txBody>
+          <a:bodyPr wrap="square" rtlCol="0">
+            <a:spAutoFit/>
+          </a:bodyPr>
+          <a:lstStyle/>
+          <a:p>
+            <a:r>
+              <a:rPr lang="en-US" sz="1100" dirty="0" smtClean="0"/>
+              <a:t>1</a:t>
+            </a:r>
+            <a:endParaRPr lang="en-US" sz="1100" dirty="0"/>
+          </a:p>
+        </p:txBody>
+      </p:sp>
+      <p:sp>
+        <p:nvSpPr>
+          <p:cNvPr id="81" name="TextBox 80"/>
+          <p:cNvSpPr txBox="1"/>
+          <p:nvPr/>
+        </p:nvSpPr>
+        <p:spPr>
+          <a:xfrm>
+            <a:off x="5730534" y="3706429"/>
+            <a:ext cx="230820" cy="261610"/>
+          </a:xfrm>
+          <a:prstGeom prst="rect">
+            <a:avLst/>
+          </a:prstGeom>
+          <a:noFill/>
+        </p:spPr>
+        <p:txBody>
+          <a:bodyPr wrap="square" rtlCol="0">
+            <a:spAutoFit/>
+          </a:bodyPr>
+          <a:lstStyle/>
+          <a:p>
+            <a:r>
+              <a:rPr lang="en-US" sz="1100" dirty="0" smtClean="0"/>
+              <a:t>0</a:t>
+            </a:r>
+            <a:endParaRPr lang="en-US" sz="1100" dirty="0"/>
+          </a:p>
+        </p:txBody>
+      </p:sp>
+      <p:sp>
+        <p:nvSpPr>
+          <p:cNvPr id="82" name="TextBox 81"/>
+          <p:cNvSpPr txBox="1"/>
+          <p:nvPr/>
+        </p:nvSpPr>
+        <p:spPr>
+          <a:xfrm>
+            <a:off x="5706805" y="4367549"/>
+            <a:ext cx="230820" cy="261610"/>
+          </a:xfrm>
+          <a:prstGeom prst="rect">
+            <a:avLst/>
+          </a:prstGeom>
+          <a:noFill/>
+        </p:spPr>
+        <p:txBody>
+          <a:bodyPr wrap="square" rtlCol="0">
+            <a:spAutoFit/>
+          </a:bodyPr>
+          <a:lstStyle/>
+          <a:p>
+            <a:r>
+              <a:rPr lang="en-US" sz="1100" dirty="0" smtClean="0"/>
+              <a:t>2</a:t>
+            </a:r>
+            <a:endParaRPr lang="en-US" sz="1100" dirty="0"/>
+          </a:p>
+        </p:txBody>
+      </p:sp>
+      <p:grpSp>
+        <p:nvGrpSpPr>
+          <p:cNvPr id="95" name="Group 94"/>
+          <p:cNvGrpSpPr/>
+          <p:nvPr/>
+        </p:nvGrpSpPr>
+        <p:grpSpPr>
+          <a:xfrm>
+            <a:off x="7841066" y="3678702"/>
+            <a:ext cx="430736" cy="1033978"/>
+            <a:chOff x="7841066" y="3678702"/>
+            <a:chExt cx="430736" cy="1033978"/>
+          </a:xfrm>
+        </p:grpSpPr>
+        <p:cxnSp>
+          <p:nvCxnSpPr>
+            <p:cNvPr id="83" name="Straight Connector 82"/>
+            <p:cNvCxnSpPr/>
+            <p:nvPr/>
+          </p:nvCxnSpPr>
+          <p:spPr bwMode="auto">
+            <a:xfrm rot="16200000" flipH="1">
+              <a:off x="7557867" y="4195689"/>
+              <a:ext cx="1033978" cy="4"/>
+            </a:xfrm>
+            <a:prstGeom prst="line">
+              <a:avLst/>
+            </a:prstGeom>
+            <a:noFill/>
+            <a:ln w="12700" cap="flat" cmpd="sng" algn="ctr">
+              <a:solidFill>
+                <a:schemeClr val="tx2"/>
+              </a:solidFill>
+              <a:prstDash val="solid"/>
+              <a:round/>
+              <a:headEnd type="none" w="lg" len="med"/>
+              <a:tailEnd type="none" w="lg" len="med"/>
+            </a:ln>
+            <a:effectLst/>
+          </p:spPr>
+        </p:cxnSp>
+        <p:cxnSp>
+          <p:nvCxnSpPr>
+            <p:cNvPr id="85" name="Straight Connector 84"/>
+            <p:cNvCxnSpPr/>
+            <p:nvPr/>
+          </p:nvCxnSpPr>
+          <p:spPr bwMode="auto">
+            <a:xfrm rot="10800000" flipV="1">
+              <a:off x="7850444" y="4710329"/>
+              <a:ext cx="421358" cy="0"/>
+            </a:xfrm>
+            <a:prstGeom prst="line">
+              <a:avLst/>
+            </a:prstGeom>
+            <a:noFill/>
+            <a:ln w="12700" cap="flat" cmpd="sng" algn="ctr">
+              <a:solidFill>
+                <a:schemeClr val="tx2"/>
+              </a:solidFill>
+              <a:prstDash val="solid"/>
+              <a:round/>
+              <a:headEnd type="none" w="lg" len="med"/>
+              <a:tailEnd type="none" w="lg" len="med"/>
+            </a:ln>
+            <a:effectLst/>
+          </p:spPr>
+        </p:cxnSp>
+        <p:cxnSp>
+          <p:nvCxnSpPr>
+            <p:cNvPr id="88" name="Straight Connector 87"/>
+            <p:cNvCxnSpPr/>
+            <p:nvPr/>
+          </p:nvCxnSpPr>
+          <p:spPr bwMode="auto">
+            <a:xfrm rot="10800000" flipV="1">
+              <a:off x="7841066" y="3688077"/>
+              <a:ext cx="421358" cy="0"/>
+            </a:xfrm>
+            <a:prstGeom prst="line">
+              <a:avLst/>
+            </a:prstGeom>
+            <a:noFill/>
+            <a:ln w="12700" cap="flat" cmpd="sng" algn="ctr">
+              <a:solidFill>
+                <a:schemeClr val="tx2"/>
+              </a:solidFill>
+              <a:prstDash val="solid"/>
+              <a:round/>
+              <a:headEnd type="none" w="lg" len="med"/>
+              <a:tailEnd type="none" w="lg" len="med"/>
+            </a:ln>
+            <a:effectLst/>
+          </p:spPr>
+        </p:cxnSp>
+      </p:grpSp>
+      <p:sp>
+        <p:nvSpPr>
+          <p:cNvPr id="94" name="TextBox 93"/>
+          <p:cNvSpPr txBox="1"/>
+          <p:nvPr/>
+        </p:nvSpPr>
+        <p:spPr>
+          <a:xfrm>
+            <a:off x="8102991" y="4037428"/>
+            <a:ext cx="393896" cy="276999"/>
+          </a:xfrm>
+          <a:prstGeom prst="rect">
+            <a:avLst/>
+          </a:prstGeom>
+          <a:noFill/>
+        </p:spPr>
+        <p:txBody>
+          <a:bodyPr wrap="square" rtlCol="0">
+            <a:spAutoFit/>
+          </a:bodyPr>
+          <a:lstStyle/>
+          <a:p>
+            <a:r>
+              <a:rPr lang="en-US" sz="1200" dirty="0" smtClean="0"/>
+              <a:t>4D</a:t>
+            </a:r>
+            <a:endParaRPr lang="en-US" sz="1200" dirty="0"/>
+          </a:p>
+        </p:txBody>
+      </p:sp>
+      <p:grpSp>
+        <p:nvGrpSpPr>
+          <p:cNvPr id="104" name="Group 103"/>
+          <p:cNvGrpSpPr/>
+          <p:nvPr/>
+        </p:nvGrpSpPr>
+        <p:grpSpPr>
+          <a:xfrm>
+            <a:off x="7057965" y="3722952"/>
+            <a:ext cx="74356" cy="178491"/>
+            <a:chOff x="7841066" y="3678702"/>
+            <a:chExt cx="430736" cy="1033978"/>
+          </a:xfrm>
+        </p:grpSpPr>
+        <p:cxnSp>
+          <p:nvCxnSpPr>
+            <p:cNvPr id="105" name="Straight Connector 104"/>
+            <p:cNvCxnSpPr/>
+            <p:nvPr/>
+          </p:nvCxnSpPr>
+          <p:spPr bwMode="auto">
+            <a:xfrm rot="16200000" flipH="1">
+              <a:off x="7557867" y="4195689"/>
+              <a:ext cx="1033978" cy="4"/>
+            </a:xfrm>
+            <a:prstGeom prst="line">
+              <a:avLst/>
+            </a:prstGeom>
+            <a:noFill/>
+            <a:ln w="12700" cap="flat" cmpd="sng" algn="ctr">
+              <a:solidFill>
+                <a:schemeClr val="tx2"/>
+              </a:solidFill>
+              <a:prstDash val="solid"/>
+              <a:round/>
+              <a:headEnd type="none" w="lg" len="med"/>
+              <a:tailEnd type="none" w="lg" len="med"/>
+            </a:ln>
+            <a:effectLst/>
+          </p:spPr>
+        </p:cxnSp>
+        <p:cxnSp>
+          <p:nvCxnSpPr>
+            <p:cNvPr id="107" name="Straight Connector 106"/>
+            <p:cNvCxnSpPr/>
+            <p:nvPr/>
+          </p:nvCxnSpPr>
+          <p:spPr bwMode="auto">
+            <a:xfrm rot="10800000" flipV="1">
+              <a:off x="7850444" y="4710329"/>
+              <a:ext cx="421358" cy="0"/>
+            </a:xfrm>
+            <a:prstGeom prst="line">
+              <a:avLst/>
+            </a:prstGeom>
+            <a:noFill/>
+            <a:ln w="12700" cap="flat" cmpd="sng" algn="ctr">
+              <a:solidFill>
+                <a:schemeClr val="tx2"/>
+              </a:solidFill>
+              <a:prstDash val="solid"/>
+              <a:round/>
+              <a:headEnd type="none" w="lg" len="med"/>
+              <a:tailEnd type="none" w="lg" len="med"/>
+            </a:ln>
+            <a:effectLst/>
+          </p:spPr>
+        </p:cxnSp>
+        <p:cxnSp>
+          <p:nvCxnSpPr>
+            <p:cNvPr id="108" name="Straight Connector 107"/>
+            <p:cNvCxnSpPr/>
+            <p:nvPr/>
+          </p:nvCxnSpPr>
+          <p:spPr bwMode="auto">
+            <a:xfrm rot="10800000" flipV="1">
+              <a:off x="7841066" y="3688077"/>
+              <a:ext cx="421358" cy="0"/>
+            </a:xfrm>
+            <a:prstGeom prst="line">
+              <a:avLst/>
+            </a:prstGeom>
+            <a:noFill/>
+            <a:ln w="12700" cap="flat" cmpd="sng" algn="ctr">
+              <a:solidFill>
+                <a:schemeClr val="tx2"/>
+              </a:solidFill>
+              <a:prstDash val="solid"/>
+              <a:round/>
+              <a:headEnd type="none" w="lg" len="med"/>
+              <a:tailEnd type="none" w="lg" len="med"/>
+            </a:ln>
+            <a:effectLst/>
+          </p:spPr>
+        </p:cxnSp>
+      </p:grpSp>
+      <p:grpSp>
+        <p:nvGrpSpPr>
+          <p:cNvPr id="109" name="Group 108"/>
+          <p:cNvGrpSpPr/>
+          <p:nvPr/>
+        </p:nvGrpSpPr>
+        <p:grpSpPr>
+          <a:xfrm>
+            <a:off x="7062655" y="3952724"/>
+            <a:ext cx="74356" cy="178491"/>
+            <a:chOff x="7841066" y="3678702"/>
+            <a:chExt cx="430736" cy="1033978"/>
+          </a:xfrm>
+        </p:grpSpPr>
+        <p:cxnSp>
+          <p:nvCxnSpPr>
+            <p:cNvPr id="110" name="Straight Connector 109"/>
+            <p:cNvCxnSpPr/>
+            <p:nvPr/>
+          </p:nvCxnSpPr>
+          <p:spPr bwMode="auto">
+            <a:xfrm rot="16200000" flipH="1">
+              <a:off x="7557867" y="4195689"/>
+              <a:ext cx="1033978" cy="4"/>
+            </a:xfrm>
+            <a:prstGeom prst="line">
+              <a:avLst/>
+            </a:prstGeom>
+            <a:noFill/>
+            <a:ln w="12700" cap="flat" cmpd="sng" algn="ctr">
+              <a:solidFill>
+                <a:schemeClr val="tx2"/>
+              </a:solidFill>
+              <a:prstDash val="solid"/>
+              <a:round/>
+              <a:headEnd type="none" w="lg" len="med"/>
+              <a:tailEnd type="none" w="lg" len="med"/>
+            </a:ln>
+            <a:effectLst/>
+          </p:spPr>
+        </p:cxnSp>
+        <p:cxnSp>
+          <p:nvCxnSpPr>
+            <p:cNvPr id="111" name="Straight Connector 110"/>
+            <p:cNvCxnSpPr/>
+            <p:nvPr/>
+          </p:nvCxnSpPr>
+          <p:spPr bwMode="auto">
+            <a:xfrm rot="10800000" flipV="1">
+              <a:off x="7850444" y="4710329"/>
+              <a:ext cx="421358" cy="0"/>
+            </a:xfrm>
+            <a:prstGeom prst="line">
+              <a:avLst/>
+            </a:prstGeom>
+            <a:noFill/>
+            <a:ln w="12700" cap="flat" cmpd="sng" algn="ctr">
+              <a:solidFill>
+                <a:schemeClr val="tx2"/>
+              </a:solidFill>
+              <a:prstDash val="solid"/>
+              <a:round/>
+              <a:headEnd type="none" w="lg" len="med"/>
+              <a:tailEnd type="none" w="lg" len="med"/>
+            </a:ln>
+            <a:effectLst/>
+          </p:spPr>
+        </p:cxnSp>
+        <p:cxnSp>
+          <p:nvCxnSpPr>
+            <p:cNvPr id="112" name="Straight Connector 111"/>
+            <p:cNvCxnSpPr/>
+            <p:nvPr/>
+          </p:nvCxnSpPr>
+          <p:spPr bwMode="auto">
+            <a:xfrm rot="10800000" flipV="1">
+              <a:off x="7841066" y="3688077"/>
+              <a:ext cx="421358" cy="0"/>
+            </a:xfrm>
+            <a:prstGeom prst="line">
+              <a:avLst/>
+            </a:prstGeom>
+            <a:noFill/>
+            <a:ln w="12700" cap="flat" cmpd="sng" algn="ctr">
+              <a:solidFill>
+                <a:schemeClr val="tx2"/>
+              </a:solidFill>
+              <a:prstDash val="solid"/>
+              <a:round/>
+              <a:headEnd type="none" w="lg" len="med"/>
+              <a:tailEnd type="none" w="lg" len="med"/>
+            </a:ln>
+            <a:effectLst/>
+          </p:spPr>
+        </p:cxnSp>
+      </p:grpSp>
+      <p:grpSp>
+        <p:nvGrpSpPr>
+          <p:cNvPr id="114" name="Group 113"/>
+          <p:cNvGrpSpPr/>
+          <p:nvPr/>
+        </p:nvGrpSpPr>
+        <p:grpSpPr>
+          <a:xfrm>
+            <a:off x="7067344" y="4189531"/>
+            <a:ext cx="74356" cy="178491"/>
+            <a:chOff x="7841066" y="3678702"/>
+            <a:chExt cx="430736" cy="1033978"/>
+          </a:xfrm>
+        </p:grpSpPr>
+        <p:cxnSp>
+          <p:nvCxnSpPr>
+            <p:cNvPr id="115" name="Straight Connector 114"/>
+            <p:cNvCxnSpPr/>
+            <p:nvPr/>
+          </p:nvCxnSpPr>
+          <p:spPr bwMode="auto">
+            <a:xfrm rot="16200000" flipH="1">
+              <a:off x="7557867" y="4195689"/>
+              <a:ext cx="1033978" cy="4"/>
+            </a:xfrm>
+            <a:prstGeom prst="line">
+              <a:avLst/>
+            </a:prstGeom>
+            <a:noFill/>
+            <a:ln w="12700" cap="flat" cmpd="sng" algn="ctr">
+              <a:solidFill>
+                <a:schemeClr val="tx2"/>
+              </a:solidFill>
+              <a:prstDash val="solid"/>
+              <a:round/>
+              <a:headEnd type="none" w="lg" len="med"/>
+              <a:tailEnd type="none" w="lg" len="med"/>
+            </a:ln>
+            <a:effectLst/>
+          </p:spPr>
+        </p:cxnSp>
+        <p:cxnSp>
+          <p:nvCxnSpPr>
+            <p:cNvPr id="116" name="Straight Connector 115"/>
+            <p:cNvCxnSpPr/>
+            <p:nvPr/>
+          </p:nvCxnSpPr>
+          <p:spPr bwMode="auto">
+            <a:xfrm rot="10800000" flipV="1">
+              <a:off x="7850444" y="4710329"/>
+              <a:ext cx="421358" cy="0"/>
+            </a:xfrm>
+            <a:prstGeom prst="line">
+              <a:avLst/>
+            </a:prstGeom>
+            <a:noFill/>
+            <a:ln w="12700" cap="flat" cmpd="sng" algn="ctr">
+              <a:solidFill>
+                <a:schemeClr val="tx2"/>
+              </a:solidFill>
+              <a:prstDash val="solid"/>
+              <a:round/>
+              <a:headEnd type="none" w="lg" len="med"/>
+              <a:tailEnd type="none" w="lg" len="med"/>
+            </a:ln>
+            <a:effectLst/>
+          </p:spPr>
+        </p:cxnSp>
+        <p:cxnSp>
+          <p:nvCxnSpPr>
+            <p:cNvPr id="117" name="Straight Connector 116"/>
+            <p:cNvCxnSpPr/>
+            <p:nvPr/>
+          </p:nvCxnSpPr>
+          <p:spPr bwMode="auto">
+            <a:xfrm rot="10800000" flipV="1">
+              <a:off x="7841066" y="3688077"/>
+              <a:ext cx="421358" cy="0"/>
+            </a:xfrm>
+            <a:prstGeom prst="line">
+              <a:avLst/>
+            </a:prstGeom>
+            <a:noFill/>
+            <a:ln w="12700" cap="flat" cmpd="sng" algn="ctr">
+              <a:solidFill>
+                <a:schemeClr val="tx2"/>
+              </a:solidFill>
+              <a:prstDash val="solid"/>
+              <a:round/>
+              <a:headEnd type="none" w="lg" len="med"/>
+              <a:tailEnd type="none" w="lg" len="med"/>
+            </a:ln>
+            <a:effectLst/>
+          </p:spPr>
+        </p:cxnSp>
+      </p:grpSp>
+      <p:grpSp>
+        <p:nvGrpSpPr>
+          <p:cNvPr id="118" name="Group 117"/>
+          <p:cNvGrpSpPr/>
+          <p:nvPr/>
+        </p:nvGrpSpPr>
+        <p:grpSpPr>
+          <a:xfrm>
+            <a:off x="7079068" y="4454472"/>
+            <a:ext cx="74356" cy="178491"/>
+            <a:chOff x="7841066" y="3678702"/>
+            <a:chExt cx="430736" cy="1033978"/>
+          </a:xfrm>
+        </p:grpSpPr>
+        <p:cxnSp>
+          <p:nvCxnSpPr>
+            <p:cNvPr id="120" name="Straight Connector 119"/>
+            <p:cNvCxnSpPr/>
+            <p:nvPr/>
+          </p:nvCxnSpPr>
+          <p:spPr bwMode="auto">
+            <a:xfrm rot="16200000" flipH="1">
+              <a:off x="7557867" y="4195689"/>
+              <a:ext cx="1033978" cy="4"/>
+            </a:xfrm>
+            <a:prstGeom prst="line">
+              <a:avLst/>
+            </a:prstGeom>
+            <a:noFill/>
+            <a:ln w="12700" cap="flat" cmpd="sng" algn="ctr">
+              <a:solidFill>
+                <a:schemeClr val="tx2"/>
+              </a:solidFill>
+              <a:prstDash val="solid"/>
+              <a:round/>
+              <a:headEnd type="none" w="lg" len="med"/>
+              <a:tailEnd type="none" w="lg" len="med"/>
+            </a:ln>
+            <a:effectLst/>
+          </p:spPr>
+        </p:cxnSp>
+        <p:cxnSp>
+          <p:nvCxnSpPr>
+            <p:cNvPr id="121" name="Straight Connector 120"/>
+            <p:cNvCxnSpPr/>
+            <p:nvPr/>
+          </p:nvCxnSpPr>
+          <p:spPr bwMode="auto">
+            <a:xfrm rot="10800000" flipV="1">
+              <a:off x="7850444" y="4710329"/>
+              <a:ext cx="421358" cy="0"/>
+            </a:xfrm>
+            <a:prstGeom prst="line">
+              <a:avLst/>
+            </a:prstGeom>
+            <a:noFill/>
+            <a:ln w="12700" cap="flat" cmpd="sng" algn="ctr">
+              <a:solidFill>
+                <a:schemeClr val="tx2"/>
+              </a:solidFill>
+              <a:prstDash val="solid"/>
+              <a:round/>
+              <a:headEnd type="none" w="lg" len="med"/>
+              <a:tailEnd type="none" w="lg" len="med"/>
+            </a:ln>
+            <a:effectLst/>
+          </p:spPr>
+        </p:cxnSp>
+        <p:cxnSp>
+          <p:nvCxnSpPr>
+            <p:cNvPr id="122" name="Straight Connector 121"/>
+            <p:cNvCxnSpPr/>
+            <p:nvPr/>
+          </p:nvCxnSpPr>
+          <p:spPr bwMode="auto">
+            <a:xfrm rot="10800000" flipV="1">
+              <a:off x="7841066" y="3688077"/>
+              <a:ext cx="421358" cy="0"/>
+            </a:xfrm>
+            <a:prstGeom prst="line">
+              <a:avLst/>
+            </a:prstGeom>
+            <a:noFill/>
+            <a:ln w="12700" cap="flat" cmpd="sng" algn="ctr">
+              <a:solidFill>
+                <a:schemeClr val="tx2"/>
+              </a:solidFill>
+              <a:prstDash val="solid"/>
+              <a:round/>
+              <a:headEnd type="none" w="lg" len="med"/>
+              <a:tailEnd type="none" w="lg" len="med"/>
+            </a:ln>
+            <a:effectLst/>
+          </p:spPr>
+        </p:cxnSp>
+      </p:grpSp>
+      <p:sp>
+        <p:nvSpPr>
+          <p:cNvPr id="123" name="TextBox 122"/>
+          <p:cNvSpPr txBox="1"/>
+          <p:nvPr/>
+        </p:nvSpPr>
+        <p:spPr>
+          <a:xfrm>
+            <a:off x="7059638" y="3669323"/>
+            <a:ext cx="393896" cy="276999"/>
+          </a:xfrm>
+          <a:prstGeom prst="rect">
+            <a:avLst/>
+          </a:prstGeom>
+          <a:noFill/>
+        </p:spPr>
+        <p:txBody>
+          <a:bodyPr wrap="square" rtlCol="0">
+            <a:spAutoFit/>
+          </a:bodyPr>
+          <a:lstStyle/>
+          <a:p>
+            <a:r>
+              <a:rPr lang="en-US" sz="1200" dirty="0" smtClean="0"/>
+              <a:t>D</a:t>
+            </a:r>
+            <a:endParaRPr lang="en-US" sz="1200" dirty="0"/>
           </a:p>
         </p:txBody>
       </p:sp>

--- a/Final Designs/SRSF Layout.pptx
+++ b/Final Designs/SRSF Layout.pptx
@@ -371,6 +371,11 @@
         </p:txBody>
       </p:sp>
     </p:spTree>
+    <p:extLst>
+      <p:ext uri="{BB962C8B-B14F-4D97-AF65-F5344CB8AC3E}">
+        <p14:creationId xmlns:p14="http://schemas.microsoft.com/office/powerpoint/2010/main" val="3495795657"/>
+      </p:ext>
+    </p:extLst>
   </p:cSld>
   <p:clrMap bg1="lt1" tx1="dk1" bg2="lt2" tx2="dk2" accent1="accent1" accent2="accent2" accent3="accent3" accent4="accent4" accent5="accent5" accent6="accent6" hlink="hlink" folHlink="folHlink"/>
 </p:handoutMaster>
@@ -700,6 +705,11 @@
         </p:txBody>
       </p:sp>
     </p:spTree>
+    <p:extLst>
+      <p:ext uri="{BB962C8B-B14F-4D97-AF65-F5344CB8AC3E}">
+        <p14:creationId xmlns:p14="http://schemas.microsoft.com/office/powerpoint/2010/main" val="2636136534"/>
+      </p:ext>
+    </p:extLst>
   </p:cSld>
   <p:clrMap bg1="lt1" tx1="dk1" bg2="lt2" tx2="dk2" accent1="accent1" accent2="accent2" accent3="accent3" accent4="accent4" accent5="accent5" accent6="accent6" hlink="hlink" folHlink="folHlink"/>
   <p:notesStyle>
@@ -18994,7 +19004,7 @@
         </p:nvSpPr>
         <p:spPr bwMode="auto">
           <a:xfrm>
-            <a:off x="6299295" y="5438243"/>
+            <a:off x="6289388" y="5516012"/>
             <a:ext cx="219737" cy="215111"/>
           </a:xfrm>
           <a:prstGeom prst="ellipse">
@@ -19058,7 +19068,7 @@
         </p:nvSpPr>
         <p:spPr bwMode="auto">
           <a:xfrm>
-            <a:off x="6639883" y="5440918"/>
+            <a:off x="6639883" y="5501005"/>
             <a:ext cx="219737" cy="215111"/>
           </a:xfrm>
           <a:prstGeom prst="ellipse">

--- a/Final Designs/SRSF Layout.pptx
+++ b/Final Designs/SRSF Layout.pptx
@@ -19960,8 +19960,8 @@
         </p:nvSpPr>
         <p:spPr bwMode="auto">
           <a:xfrm>
-            <a:off x="5257849" y="3437263"/>
-            <a:ext cx="1759895" cy="3018621"/>
+            <a:off x="5118205" y="3437263"/>
+            <a:ext cx="1912225" cy="3040655"/>
           </a:xfrm>
           <a:prstGeom prst="rect">
             <a:avLst/>

--- a/Final Designs/SRSF Layout.pptx
+++ b/Final Designs/SRSF Layout.pptx
@@ -373,7 +373,7 @@
     </p:spTree>
     <p:extLst>
       <p:ext uri="{BB962C8B-B14F-4D97-AF65-F5344CB8AC3E}">
-        <p14:creationId xmlns:p14="http://schemas.microsoft.com/office/powerpoint/2010/main" val="3495795657"/>
+        <p14:creationId xmlns:p14="http://schemas.microsoft.com/office/powerpoint/2010/main" xmlns="" val="3495795657"/>
       </p:ext>
     </p:extLst>
   </p:cSld>
@@ -707,7 +707,7 @@
     </p:spTree>
     <p:extLst>
       <p:ext uri="{BB962C8B-B14F-4D97-AF65-F5344CB8AC3E}">
-        <p14:creationId xmlns:p14="http://schemas.microsoft.com/office/powerpoint/2010/main" val="2636136534"/>
+        <p14:creationId xmlns:p14="http://schemas.microsoft.com/office/powerpoint/2010/main" xmlns="" val="2636136534"/>
       </p:ext>
     </p:extLst>
   </p:cSld>
@@ -20569,546 +20569,6 @@
               <a:t>2</a:t>
             </a:r>
             <a:endParaRPr lang="en-US" sz="1100" dirty="0"/>
-          </a:p>
-        </p:txBody>
-      </p:sp>
-      <p:grpSp>
-        <p:nvGrpSpPr>
-          <p:cNvPr id="95" name="Group 94"/>
-          <p:cNvGrpSpPr/>
-          <p:nvPr/>
-        </p:nvGrpSpPr>
-        <p:grpSpPr>
-          <a:xfrm>
-            <a:off x="7841066" y="3678702"/>
-            <a:ext cx="430736" cy="1033978"/>
-            <a:chOff x="7841066" y="3678702"/>
-            <a:chExt cx="430736" cy="1033978"/>
-          </a:xfrm>
-        </p:grpSpPr>
-        <p:cxnSp>
-          <p:nvCxnSpPr>
-            <p:cNvPr id="83" name="Straight Connector 82"/>
-            <p:cNvCxnSpPr/>
-            <p:nvPr/>
-          </p:nvCxnSpPr>
-          <p:spPr bwMode="auto">
-            <a:xfrm rot="16200000" flipH="1">
-              <a:off x="7557867" y="4195689"/>
-              <a:ext cx="1033978" cy="4"/>
-            </a:xfrm>
-            <a:prstGeom prst="line">
-              <a:avLst/>
-            </a:prstGeom>
-            <a:noFill/>
-            <a:ln w="12700" cap="flat" cmpd="sng" algn="ctr">
-              <a:solidFill>
-                <a:schemeClr val="tx2"/>
-              </a:solidFill>
-              <a:prstDash val="solid"/>
-              <a:round/>
-              <a:headEnd type="none" w="lg" len="med"/>
-              <a:tailEnd type="none" w="lg" len="med"/>
-            </a:ln>
-            <a:effectLst/>
-          </p:spPr>
-        </p:cxnSp>
-        <p:cxnSp>
-          <p:nvCxnSpPr>
-            <p:cNvPr id="85" name="Straight Connector 84"/>
-            <p:cNvCxnSpPr/>
-            <p:nvPr/>
-          </p:nvCxnSpPr>
-          <p:spPr bwMode="auto">
-            <a:xfrm rot="10800000" flipV="1">
-              <a:off x="7850444" y="4710329"/>
-              <a:ext cx="421358" cy="0"/>
-            </a:xfrm>
-            <a:prstGeom prst="line">
-              <a:avLst/>
-            </a:prstGeom>
-            <a:noFill/>
-            <a:ln w="12700" cap="flat" cmpd="sng" algn="ctr">
-              <a:solidFill>
-                <a:schemeClr val="tx2"/>
-              </a:solidFill>
-              <a:prstDash val="solid"/>
-              <a:round/>
-              <a:headEnd type="none" w="lg" len="med"/>
-              <a:tailEnd type="none" w="lg" len="med"/>
-            </a:ln>
-            <a:effectLst/>
-          </p:spPr>
-        </p:cxnSp>
-        <p:cxnSp>
-          <p:nvCxnSpPr>
-            <p:cNvPr id="88" name="Straight Connector 87"/>
-            <p:cNvCxnSpPr/>
-            <p:nvPr/>
-          </p:nvCxnSpPr>
-          <p:spPr bwMode="auto">
-            <a:xfrm rot="10800000" flipV="1">
-              <a:off x="7841066" y="3688077"/>
-              <a:ext cx="421358" cy="0"/>
-            </a:xfrm>
-            <a:prstGeom prst="line">
-              <a:avLst/>
-            </a:prstGeom>
-            <a:noFill/>
-            <a:ln w="12700" cap="flat" cmpd="sng" algn="ctr">
-              <a:solidFill>
-                <a:schemeClr val="tx2"/>
-              </a:solidFill>
-              <a:prstDash val="solid"/>
-              <a:round/>
-              <a:headEnd type="none" w="lg" len="med"/>
-              <a:tailEnd type="none" w="lg" len="med"/>
-            </a:ln>
-            <a:effectLst/>
-          </p:spPr>
-        </p:cxnSp>
-      </p:grpSp>
-      <p:sp>
-        <p:nvSpPr>
-          <p:cNvPr id="94" name="TextBox 93"/>
-          <p:cNvSpPr txBox="1"/>
-          <p:nvPr/>
-        </p:nvSpPr>
-        <p:spPr>
-          <a:xfrm>
-            <a:off x="8102991" y="4037428"/>
-            <a:ext cx="393896" cy="276999"/>
-          </a:xfrm>
-          <a:prstGeom prst="rect">
-            <a:avLst/>
-          </a:prstGeom>
-          <a:noFill/>
-        </p:spPr>
-        <p:txBody>
-          <a:bodyPr wrap="square" rtlCol="0">
-            <a:spAutoFit/>
-          </a:bodyPr>
-          <a:lstStyle/>
-          <a:p>
-            <a:r>
-              <a:rPr lang="en-US" sz="1200" dirty="0" smtClean="0"/>
-              <a:t>4D</a:t>
-            </a:r>
-            <a:endParaRPr lang="en-US" sz="1200" dirty="0"/>
-          </a:p>
-        </p:txBody>
-      </p:sp>
-      <p:grpSp>
-        <p:nvGrpSpPr>
-          <p:cNvPr id="104" name="Group 103"/>
-          <p:cNvGrpSpPr/>
-          <p:nvPr/>
-        </p:nvGrpSpPr>
-        <p:grpSpPr>
-          <a:xfrm>
-            <a:off x="7057965" y="3722952"/>
-            <a:ext cx="74356" cy="178491"/>
-            <a:chOff x="7841066" y="3678702"/>
-            <a:chExt cx="430736" cy="1033978"/>
-          </a:xfrm>
-        </p:grpSpPr>
-        <p:cxnSp>
-          <p:nvCxnSpPr>
-            <p:cNvPr id="105" name="Straight Connector 104"/>
-            <p:cNvCxnSpPr/>
-            <p:nvPr/>
-          </p:nvCxnSpPr>
-          <p:spPr bwMode="auto">
-            <a:xfrm rot="16200000" flipH="1">
-              <a:off x="7557867" y="4195689"/>
-              <a:ext cx="1033978" cy="4"/>
-            </a:xfrm>
-            <a:prstGeom prst="line">
-              <a:avLst/>
-            </a:prstGeom>
-            <a:noFill/>
-            <a:ln w="12700" cap="flat" cmpd="sng" algn="ctr">
-              <a:solidFill>
-                <a:schemeClr val="tx2"/>
-              </a:solidFill>
-              <a:prstDash val="solid"/>
-              <a:round/>
-              <a:headEnd type="none" w="lg" len="med"/>
-              <a:tailEnd type="none" w="lg" len="med"/>
-            </a:ln>
-            <a:effectLst/>
-          </p:spPr>
-        </p:cxnSp>
-        <p:cxnSp>
-          <p:nvCxnSpPr>
-            <p:cNvPr id="107" name="Straight Connector 106"/>
-            <p:cNvCxnSpPr/>
-            <p:nvPr/>
-          </p:nvCxnSpPr>
-          <p:spPr bwMode="auto">
-            <a:xfrm rot="10800000" flipV="1">
-              <a:off x="7850444" y="4710329"/>
-              <a:ext cx="421358" cy="0"/>
-            </a:xfrm>
-            <a:prstGeom prst="line">
-              <a:avLst/>
-            </a:prstGeom>
-            <a:noFill/>
-            <a:ln w="12700" cap="flat" cmpd="sng" algn="ctr">
-              <a:solidFill>
-                <a:schemeClr val="tx2"/>
-              </a:solidFill>
-              <a:prstDash val="solid"/>
-              <a:round/>
-              <a:headEnd type="none" w="lg" len="med"/>
-              <a:tailEnd type="none" w="lg" len="med"/>
-            </a:ln>
-            <a:effectLst/>
-          </p:spPr>
-        </p:cxnSp>
-        <p:cxnSp>
-          <p:nvCxnSpPr>
-            <p:cNvPr id="108" name="Straight Connector 107"/>
-            <p:cNvCxnSpPr/>
-            <p:nvPr/>
-          </p:nvCxnSpPr>
-          <p:spPr bwMode="auto">
-            <a:xfrm rot="10800000" flipV="1">
-              <a:off x="7841066" y="3688077"/>
-              <a:ext cx="421358" cy="0"/>
-            </a:xfrm>
-            <a:prstGeom prst="line">
-              <a:avLst/>
-            </a:prstGeom>
-            <a:noFill/>
-            <a:ln w="12700" cap="flat" cmpd="sng" algn="ctr">
-              <a:solidFill>
-                <a:schemeClr val="tx2"/>
-              </a:solidFill>
-              <a:prstDash val="solid"/>
-              <a:round/>
-              <a:headEnd type="none" w="lg" len="med"/>
-              <a:tailEnd type="none" w="lg" len="med"/>
-            </a:ln>
-            <a:effectLst/>
-          </p:spPr>
-        </p:cxnSp>
-      </p:grpSp>
-      <p:grpSp>
-        <p:nvGrpSpPr>
-          <p:cNvPr id="109" name="Group 108"/>
-          <p:cNvGrpSpPr/>
-          <p:nvPr/>
-        </p:nvGrpSpPr>
-        <p:grpSpPr>
-          <a:xfrm>
-            <a:off x="7062655" y="3952724"/>
-            <a:ext cx="74356" cy="178491"/>
-            <a:chOff x="7841066" y="3678702"/>
-            <a:chExt cx="430736" cy="1033978"/>
-          </a:xfrm>
-        </p:grpSpPr>
-        <p:cxnSp>
-          <p:nvCxnSpPr>
-            <p:cNvPr id="110" name="Straight Connector 109"/>
-            <p:cNvCxnSpPr/>
-            <p:nvPr/>
-          </p:nvCxnSpPr>
-          <p:spPr bwMode="auto">
-            <a:xfrm rot="16200000" flipH="1">
-              <a:off x="7557867" y="4195689"/>
-              <a:ext cx="1033978" cy="4"/>
-            </a:xfrm>
-            <a:prstGeom prst="line">
-              <a:avLst/>
-            </a:prstGeom>
-            <a:noFill/>
-            <a:ln w="12700" cap="flat" cmpd="sng" algn="ctr">
-              <a:solidFill>
-                <a:schemeClr val="tx2"/>
-              </a:solidFill>
-              <a:prstDash val="solid"/>
-              <a:round/>
-              <a:headEnd type="none" w="lg" len="med"/>
-              <a:tailEnd type="none" w="lg" len="med"/>
-            </a:ln>
-            <a:effectLst/>
-          </p:spPr>
-        </p:cxnSp>
-        <p:cxnSp>
-          <p:nvCxnSpPr>
-            <p:cNvPr id="111" name="Straight Connector 110"/>
-            <p:cNvCxnSpPr/>
-            <p:nvPr/>
-          </p:nvCxnSpPr>
-          <p:spPr bwMode="auto">
-            <a:xfrm rot="10800000" flipV="1">
-              <a:off x="7850444" y="4710329"/>
-              <a:ext cx="421358" cy="0"/>
-            </a:xfrm>
-            <a:prstGeom prst="line">
-              <a:avLst/>
-            </a:prstGeom>
-            <a:noFill/>
-            <a:ln w="12700" cap="flat" cmpd="sng" algn="ctr">
-              <a:solidFill>
-                <a:schemeClr val="tx2"/>
-              </a:solidFill>
-              <a:prstDash val="solid"/>
-              <a:round/>
-              <a:headEnd type="none" w="lg" len="med"/>
-              <a:tailEnd type="none" w="lg" len="med"/>
-            </a:ln>
-            <a:effectLst/>
-          </p:spPr>
-        </p:cxnSp>
-        <p:cxnSp>
-          <p:nvCxnSpPr>
-            <p:cNvPr id="112" name="Straight Connector 111"/>
-            <p:cNvCxnSpPr/>
-            <p:nvPr/>
-          </p:nvCxnSpPr>
-          <p:spPr bwMode="auto">
-            <a:xfrm rot="10800000" flipV="1">
-              <a:off x="7841066" y="3688077"/>
-              <a:ext cx="421358" cy="0"/>
-            </a:xfrm>
-            <a:prstGeom prst="line">
-              <a:avLst/>
-            </a:prstGeom>
-            <a:noFill/>
-            <a:ln w="12700" cap="flat" cmpd="sng" algn="ctr">
-              <a:solidFill>
-                <a:schemeClr val="tx2"/>
-              </a:solidFill>
-              <a:prstDash val="solid"/>
-              <a:round/>
-              <a:headEnd type="none" w="lg" len="med"/>
-              <a:tailEnd type="none" w="lg" len="med"/>
-            </a:ln>
-            <a:effectLst/>
-          </p:spPr>
-        </p:cxnSp>
-      </p:grpSp>
-      <p:grpSp>
-        <p:nvGrpSpPr>
-          <p:cNvPr id="114" name="Group 113"/>
-          <p:cNvGrpSpPr/>
-          <p:nvPr/>
-        </p:nvGrpSpPr>
-        <p:grpSpPr>
-          <a:xfrm>
-            <a:off x="7067344" y="4189531"/>
-            <a:ext cx="74356" cy="178491"/>
-            <a:chOff x="7841066" y="3678702"/>
-            <a:chExt cx="430736" cy="1033978"/>
-          </a:xfrm>
-        </p:grpSpPr>
-        <p:cxnSp>
-          <p:nvCxnSpPr>
-            <p:cNvPr id="115" name="Straight Connector 114"/>
-            <p:cNvCxnSpPr/>
-            <p:nvPr/>
-          </p:nvCxnSpPr>
-          <p:spPr bwMode="auto">
-            <a:xfrm rot="16200000" flipH="1">
-              <a:off x="7557867" y="4195689"/>
-              <a:ext cx="1033978" cy="4"/>
-            </a:xfrm>
-            <a:prstGeom prst="line">
-              <a:avLst/>
-            </a:prstGeom>
-            <a:noFill/>
-            <a:ln w="12700" cap="flat" cmpd="sng" algn="ctr">
-              <a:solidFill>
-                <a:schemeClr val="tx2"/>
-              </a:solidFill>
-              <a:prstDash val="solid"/>
-              <a:round/>
-              <a:headEnd type="none" w="lg" len="med"/>
-              <a:tailEnd type="none" w="lg" len="med"/>
-            </a:ln>
-            <a:effectLst/>
-          </p:spPr>
-        </p:cxnSp>
-        <p:cxnSp>
-          <p:nvCxnSpPr>
-            <p:cNvPr id="116" name="Straight Connector 115"/>
-            <p:cNvCxnSpPr/>
-            <p:nvPr/>
-          </p:nvCxnSpPr>
-          <p:spPr bwMode="auto">
-            <a:xfrm rot="10800000" flipV="1">
-              <a:off x="7850444" y="4710329"/>
-              <a:ext cx="421358" cy="0"/>
-            </a:xfrm>
-            <a:prstGeom prst="line">
-              <a:avLst/>
-            </a:prstGeom>
-            <a:noFill/>
-            <a:ln w="12700" cap="flat" cmpd="sng" algn="ctr">
-              <a:solidFill>
-                <a:schemeClr val="tx2"/>
-              </a:solidFill>
-              <a:prstDash val="solid"/>
-              <a:round/>
-              <a:headEnd type="none" w="lg" len="med"/>
-              <a:tailEnd type="none" w="lg" len="med"/>
-            </a:ln>
-            <a:effectLst/>
-          </p:spPr>
-        </p:cxnSp>
-        <p:cxnSp>
-          <p:nvCxnSpPr>
-            <p:cNvPr id="117" name="Straight Connector 116"/>
-            <p:cNvCxnSpPr/>
-            <p:nvPr/>
-          </p:nvCxnSpPr>
-          <p:spPr bwMode="auto">
-            <a:xfrm rot="10800000" flipV="1">
-              <a:off x="7841066" y="3688077"/>
-              <a:ext cx="421358" cy="0"/>
-            </a:xfrm>
-            <a:prstGeom prst="line">
-              <a:avLst/>
-            </a:prstGeom>
-            <a:noFill/>
-            <a:ln w="12700" cap="flat" cmpd="sng" algn="ctr">
-              <a:solidFill>
-                <a:schemeClr val="tx2"/>
-              </a:solidFill>
-              <a:prstDash val="solid"/>
-              <a:round/>
-              <a:headEnd type="none" w="lg" len="med"/>
-              <a:tailEnd type="none" w="lg" len="med"/>
-            </a:ln>
-            <a:effectLst/>
-          </p:spPr>
-        </p:cxnSp>
-      </p:grpSp>
-      <p:grpSp>
-        <p:nvGrpSpPr>
-          <p:cNvPr id="118" name="Group 117"/>
-          <p:cNvGrpSpPr/>
-          <p:nvPr/>
-        </p:nvGrpSpPr>
-        <p:grpSpPr>
-          <a:xfrm>
-            <a:off x="7079068" y="4454472"/>
-            <a:ext cx="74356" cy="178491"/>
-            <a:chOff x="7841066" y="3678702"/>
-            <a:chExt cx="430736" cy="1033978"/>
-          </a:xfrm>
-        </p:grpSpPr>
-        <p:cxnSp>
-          <p:nvCxnSpPr>
-            <p:cNvPr id="120" name="Straight Connector 119"/>
-            <p:cNvCxnSpPr/>
-            <p:nvPr/>
-          </p:nvCxnSpPr>
-          <p:spPr bwMode="auto">
-            <a:xfrm rot="16200000" flipH="1">
-              <a:off x="7557867" y="4195689"/>
-              <a:ext cx="1033978" cy="4"/>
-            </a:xfrm>
-            <a:prstGeom prst="line">
-              <a:avLst/>
-            </a:prstGeom>
-            <a:noFill/>
-            <a:ln w="12700" cap="flat" cmpd="sng" algn="ctr">
-              <a:solidFill>
-                <a:schemeClr val="tx2"/>
-              </a:solidFill>
-              <a:prstDash val="solid"/>
-              <a:round/>
-              <a:headEnd type="none" w="lg" len="med"/>
-              <a:tailEnd type="none" w="lg" len="med"/>
-            </a:ln>
-            <a:effectLst/>
-          </p:spPr>
-        </p:cxnSp>
-        <p:cxnSp>
-          <p:nvCxnSpPr>
-            <p:cNvPr id="121" name="Straight Connector 120"/>
-            <p:cNvCxnSpPr/>
-            <p:nvPr/>
-          </p:nvCxnSpPr>
-          <p:spPr bwMode="auto">
-            <a:xfrm rot="10800000" flipV="1">
-              <a:off x="7850444" y="4710329"/>
-              <a:ext cx="421358" cy="0"/>
-            </a:xfrm>
-            <a:prstGeom prst="line">
-              <a:avLst/>
-            </a:prstGeom>
-            <a:noFill/>
-            <a:ln w="12700" cap="flat" cmpd="sng" algn="ctr">
-              <a:solidFill>
-                <a:schemeClr val="tx2"/>
-              </a:solidFill>
-              <a:prstDash val="solid"/>
-              <a:round/>
-              <a:headEnd type="none" w="lg" len="med"/>
-              <a:tailEnd type="none" w="lg" len="med"/>
-            </a:ln>
-            <a:effectLst/>
-          </p:spPr>
-        </p:cxnSp>
-        <p:cxnSp>
-          <p:nvCxnSpPr>
-            <p:cNvPr id="122" name="Straight Connector 121"/>
-            <p:cNvCxnSpPr/>
-            <p:nvPr/>
-          </p:nvCxnSpPr>
-          <p:spPr bwMode="auto">
-            <a:xfrm rot="10800000" flipV="1">
-              <a:off x="7841066" y="3688077"/>
-              <a:ext cx="421358" cy="0"/>
-            </a:xfrm>
-            <a:prstGeom prst="line">
-              <a:avLst/>
-            </a:prstGeom>
-            <a:noFill/>
-            <a:ln w="12700" cap="flat" cmpd="sng" algn="ctr">
-              <a:solidFill>
-                <a:schemeClr val="tx2"/>
-              </a:solidFill>
-              <a:prstDash val="solid"/>
-              <a:round/>
-              <a:headEnd type="none" w="lg" len="med"/>
-              <a:tailEnd type="none" w="lg" len="med"/>
-            </a:ln>
-            <a:effectLst/>
-          </p:spPr>
-        </p:cxnSp>
-      </p:grpSp>
-      <p:sp>
-        <p:nvSpPr>
-          <p:cNvPr id="123" name="TextBox 122"/>
-          <p:cNvSpPr txBox="1"/>
-          <p:nvPr/>
-        </p:nvSpPr>
-        <p:spPr>
-          <a:xfrm>
-            <a:off x="7059638" y="3669323"/>
-            <a:ext cx="393896" cy="276999"/>
-          </a:xfrm>
-          <a:prstGeom prst="rect">
-            <a:avLst/>
-          </a:prstGeom>
-          <a:noFill/>
-        </p:spPr>
-        <p:txBody>
-          <a:bodyPr wrap="square" rtlCol="0">
-            <a:spAutoFit/>
-          </a:bodyPr>
-          <a:lstStyle/>
-          <a:p>
-            <a:r>
-              <a:rPr lang="en-US" sz="1200" dirty="0" smtClean="0"/>
-              <a:t>D</a:t>
-            </a:r>
-            <a:endParaRPr lang="en-US" sz="1200" dirty="0"/>
           </a:p>
         </p:txBody>
       </p:sp>
